--- a/ppt/요구사항 명세서.pptx
+++ b/ppt/요구사항 명세서.pptx
@@ -118,6 +118,11 @@
       </a:defRPr>
     </a:lvl9pPr>
   </p:defaultTextStyle>
+  <p:extLst>
+    <p:ext uri="{EFAFB233-063F-42B5-8137-9DF3F51BA10A}">
+      <p15:sldGuideLst xmlns:p15="http://schemas.microsoft.com/office/powerpoint/2012/main"/>
+    </p:ext>
+  </p:extLst>
 </p:presentation>
 </file>
 
@@ -268,7 +273,7 @@
           <a:p>
             <a:fld id="{75D02359-F51A-436E-83F7-7AB13B7DF49E}" type="datetimeFigureOut">
               <a:rPr lang="ko-KR" altLang="en-US" smtClean="0"/>
-              <a:t>2023-03-30</a:t>
+              <a:t>2023-03-31</a:t>
             </a:fld>
             <a:endParaRPr lang="ko-KR" altLang="en-US"/>
           </a:p>
@@ -466,7 +471,7 @@
           <a:p>
             <a:fld id="{75D02359-F51A-436E-83F7-7AB13B7DF49E}" type="datetimeFigureOut">
               <a:rPr lang="ko-KR" altLang="en-US" smtClean="0"/>
-              <a:t>2023-03-30</a:t>
+              <a:t>2023-03-31</a:t>
             </a:fld>
             <a:endParaRPr lang="ko-KR" altLang="en-US"/>
           </a:p>
@@ -674,7 +679,7 @@
           <a:p>
             <a:fld id="{75D02359-F51A-436E-83F7-7AB13B7DF49E}" type="datetimeFigureOut">
               <a:rPr lang="ko-KR" altLang="en-US" smtClean="0"/>
-              <a:t>2023-03-30</a:t>
+              <a:t>2023-03-31</a:t>
             </a:fld>
             <a:endParaRPr lang="ko-KR" altLang="en-US"/>
           </a:p>
@@ -872,7 +877,7 @@
           <a:p>
             <a:fld id="{75D02359-F51A-436E-83F7-7AB13B7DF49E}" type="datetimeFigureOut">
               <a:rPr lang="ko-KR" altLang="en-US" smtClean="0"/>
-              <a:t>2023-03-30</a:t>
+              <a:t>2023-03-31</a:t>
             </a:fld>
             <a:endParaRPr lang="ko-KR" altLang="en-US"/>
           </a:p>
@@ -1147,7 +1152,7 @@
           <a:p>
             <a:fld id="{75D02359-F51A-436E-83F7-7AB13B7DF49E}" type="datetimeFigureOut">
               <a:rPr lang="ko-KR" altLang="en-US" smtClean="0"/>
-              <a:t>2023-03-30</a:t>
+              <a:t>2023-03-31</a:t>
             </a:fld>
             <a:endParaRPr lang="ko-KR" altLang="en-US"/>
           </a:p>
@@ -1412,7 +1417,7 @@
           <a:p>
             <a:fld id="{75D02359-F51A-436E-83F7-7AB13B7DF49E}" type="datetimeFigureOut">
               <a:rPr lang="ko-KR" altLang="en-US" smtClean="0"/>
-              <a:t>2023-03-30</a:t>
+              <a:t>2023-03-31</a:t>
             </a:fld>
             <a:endParaRPr lang="ko-KR" altLang="en-US"/>
           </a:p>
@@ -1824,7 +1829,7 @@
           <a:p>
             <a:fld id="{75D02359-F51A-436E-83F7-7AB13B7DF49E}" type="datetimeFigureOut">
               <a:rPr lang="ko-KR" altLang="en-US" smtClean="0"/>
-              <a:t>2023-03-30</a:t>
+              <a:t>2023-03-31</a:t>
             </a:fld>
             <a:endParaRPr lang="ko-KR" altLang="en-US"/>
           </a:p>
@@ -1965,7 +1970,7 @@
           <a:p>
             <a:fld id="{75D02359-F51A-436E-83F7-7AB13B7DF49E}" type="datetimeFigureOut">
               <a:rPr lang="ko-KR" altLang="en-US" smtClean="0"/>
-              <a:t>2023-03-30</a:t>
+              <a:t>2023-03-31</a:t>
             </a:fld>
             <a:endParaRPr lang="ko-KR" altLang="en-US"/>
           </a:p>
@@ -2078,7 +2083,7 @@
           <a:p>
             <a:fld id="{75D02359-F51A-436E-83F7-7AB13B7DF49E}" type="datetimeFigureOut">
               <a:rPr lang="ko-KR" altLang="en-US" smtClean="0"/>
-              <a:t>2023-03-30</a:t>
+              <a:t>2023-03-31</a:t>
             </a:fld>
             <a:endParaRPr lang="ko-KR" altLang="en-US"/>
           </a:p>
@@ -2389,7 +2394,7 @@
           <a:p>
             <a:fld id="{75D02359-F51A-436E-83F7-7AB13B7DF49E}" type="datetimeFigureOut">
               <a:rPr lang="ko-KR" altLang="en-US" smtClean="0"/>
-              <a:t>2023-03-30</a:t>
+              <a:t>2023-03-31</a:t>
             </a:fld>
             <a:endParaRPr lang="ko-KR" altLang="en-US"/>
           </a:p>
@@ -2677,7 +2682,7 @@
           <a:p>
             <a:fld id="{75D02359-F51A-436E-83F7-7AB13B7DF49E}" type="datetimeFigureOut">
               <a:rPr lang="ko-KR" altLang="en-US" smtClean="0"/>
-              <a:t>2023-03-30</a:t>
+              <a:t>2023-03-31</a:t>
             </a:fld>
             <a:endParaRPr lang="ko-KR" altLang="en-US"/>
           </a:p>
@@ -2918,7 +2923,7 @@
           <a:p>
             <a:fld id="{75D02359-F51A-436E-83F7-7AB13B7DF49E}" type="datetimeFigureOut">
               <a:rPr lang="ko-KR" altLang="en-US" smtClean="0"/>
-              <a:t>2023-03-30</a:t>
+              <a:t>2023-03-31</a:t>
             </a:fld>
             <a:endParaRPr lang="ko-KR" altLang="en-US"/>
           </a:p>
@@ -4074,15 +4079,15 @@
           <a:p>
             <a:pPr lvl="1"/>
             <a:r>
-              <a:rPr lang="ko-KR" altLang="en-US" dirty="0"/>
+              <a:rPr lang="ko-KR" altLang="en-US"/>
               <a:t>거래자</a:t>
             </a:r>
-            <a:endParaRPr lang="en-US" altLang="ko-KR" dirty="0"/>
+            <a:endParaRPr lang="en-US" altLang="ko-KR"/>
           </a:p>
           <a:p>
             <a:pPr lvl="1"/>
             <a:r>
-              <a:rPr lang="ko-KR" altLang="en-US" dirty="0"/>
+              <a:rPr lang="ko-KR" altLang="en-US"/>
               <a:t>거래장소</a:t>
             </a:r>
             <a:endParaRPr lang="en-US" altLang="ko-KR" dirty="0"/>
@@ -4169,25 +4174,18 @@
           <a:lstStyle/>
           <a:p>
             <a:r>
-              <a:rPr lang="ko-KR" altLang="en-US" dirty="0"/>
-              <a:t>채팅 연결</a:t>
-            </a:r>
-            <a:endParaRPr lang="en-US" altLang="ko-KR" dirty="0"/>
+              <a:rPr lang="ko-KR" altLang="en-US"/>
+              <a:t>상대방 프로필사진</a:t>
+            </a:r>
+            <a:endParaRPr lang="en-US" altLang="ko-KR"/>
           </a:p>
           <a:p>
             <a:pPr lvl="1"/>
             <a:r>
-              <a:rPr lang="ko-KR" altLang="en-US" dirty="0"/>
-              <a:t>상대방 프로필사진</a:t>
-            </a:r>
-            <a:endParaRPr lang="en-US" altLang="ko-KR" dirty="0"/>
-          </a:p>
-          <a:p>
-            <a:pPr lvl="1"/>
-            <a:r>
-              <a:rPr lang="ko-KR" altLang="en-US" dirty="0"/>
+              <a:rPr lang="ko-KR" altLang="en-US"/>
               <a:t>상대방 이름</a:t>
             </a:r>
+            <a:endParaRPr lang="ko-KR" altLang="en-US" dirty="0"/>
           </a:p>
         </p:txBody>
       </p:sp>
@@ -5046,77 +5044,85 @@
             </a:r>
             <a:r>
               <a:rPr lang="en-US" altLang="ko-KR" dirty="0"/>
-              <a:t> : 20</a:t>
-            </a:r>
-            <a:r>
-              <a:rPr lang="ko-KR" altLang="en-US" dirty="0"/>
+              <a:t> </a:t>
+            </a:r>
+            <a:r>
+              <a:rPr lang="en-US" altLang="ko-KR"/>
+              <a:t>: </a:t>
+            </a:r>
+            <a:r>
+              <a:rPr lang="ko-KR" altLang="en-US"/>
+              <a:t>이름</a:t>
+            </a:r>
+            <a:endParaRPr lang="en-US" altLang="ko-KR"/>
+          </a:p>
+          <a:p>
+            <a:r>
+              <a:rPr lang="en-US" altLang="ko-KR"/>
+              <a:t> </a:t>
+            </a:r>
+            <a:r>
+              <a:rPr lang="ko-KR" altLang="en-US"/>
+              <a:t>낙찰</a:t>
+            </a:r>
+            <a:endParaRPr lang="en-US" altLang="ko-KR"/>
+          </a:p>
+          <a:p>
+            <a:pPr lvl="1"/>
+            <a:r>
+              <a:rPr lang="ko-KR" altLang="en-US"/>
+              <a:t>상품 </a:t>
+            </a:r>
+            <a:r>
+              <a:rPr lang="ko-KR" altLang="en-US" dirty="0"/>
+              <a:t>등록자 </a:t>
+            </a:r>
+            <a:r>
+              <a:rPr lang="en-US" altLang="ko-KR"/>
+              <a:t>: 20</a:t>
+            </a:r>
+            <a:r>
+              <a:rPr lang="ko-KR" altLang="en-US"/>
               <a:t>자 이내의 문자</a:t>
             </a:r>
+            <a:endParaRPr lang="en-US" altLang="ko-KR"/>
+          </a:p>
+          <a:p>
+            <a:pPr lvl="1"/>
+            <a:r>
+              <a:rPr lang="ko-KR" altLang="en-US"/>
+              <a:t>입찰자 정보 </a:t>
+            </a:r>
+            <a:r>
+              <a:rPr lang="en-US" altLang="ko-KR"/>
+              <a:t>: 20</a:t>
+            </a:r>
+            <a:r>
+              <a:rPr lang="ko-KR" altLang="en-US"/>
+              <a:t>자 이내의 문자</a:t>
+            </a:r>
+            <a:endParaRPr lang="en-US" altLang="ko-KR"/>
+          </a:p>
+          <a:p>
+            <a:pPr lvl="1"/>
+            <a:r>
+              <a:rPr lang="ko-KR" altLang="en-US"/>
+              <a:t>낙찰 확인 </a:t>
+            </a:r>
+            <a:r>
+              <a:rPr lang="en-US" altLang="ko-KR"/>
+              <a:t>: </a:t>
+            </a:r>
+            <a:r>
+              <a:rPr lang="ko-KR" altLang="en-US" dirty="0"/>
+              <a:t>상품 낙찰 여부 최종 확인</a:t>
+            </a:r>
             <a:endParaRPr lang="en-US" altLang="ko-KR" dirty="0"/>
           </a:p>
           <a:p>
-            <a:r>
-              <a:rPr lang="en-US" altLang="ko-KR" dirty="0"/>
-              <a:t> </a:t>
-            </a:r>
-            <a:r>
-              <a:rPr lang="ko-KR" altLang="en-US" dirty="0"/>
-              <a:t>낙찰</a:t>
-            </a:r>
-            <a:endParaRPr lang="en-US" altLang="ko-KR" dirty="0"/>
-          </a:p>
-          <a:p>
             <a:pPr lvl="1"/>
             <a:r>
-              <a:rPr lang="ko-KR" altLang="en-US" dirty="0"/>
-              <a:t>상품 등록자 </a:t>
-            </a:r>
-            <a:r>
-              <a:rPr lang="en-US" altLang="ko-KR" dirty="0"/>
-              <a:t>: 20</a:t>
-            </a:r>
-            <a:r>
-              <a:rPr lang="ko-KR" altLang="en-US" dirty="0"/>
-              <a:t>자 이내의 문자</a:t>
-            </a:r>
-            <a:endParaRPr lang="en-US" altLang="ko-KR" dirty="0"/>
-          </a:p>
-          <a:p>
-            <a:pPr lvl="1"/>
-            <a:r>
-              <a:rPr lang="ko-KR" altLang="en-US" dirty="0"/>
-              <a:t>입찰자 정보 </a:t>
-            </a:r>
-            <a:r>
-              <a:rPr lang="en-US" altLang="ko-KR" dirty="0"/>
-              <a:t>: 20</a:t>
-            </a:r>
-            <a:r>
-              <a:rPr lang="ko-KR" altLang="en-US" dirty="0"/>
-              <a:t>자 이내의 문자</a:t>
-            </a:r>
-            <a:endParaRPr lang="en-US" altLang="ko-KR" dirty="0"/>
-          </a:p>
-          <a:p>
-            <a:pPr lvl="1"/>
-            <a:r>
-              <a:rPr lang="ko-KR" altLang="en-US" dirty="0"/>
-              <a:t>낙찰 확인 </a:t>
-            </a:r>
-            <a:r>
-              <a:rPr lang="en-US" altLang="ko-KR" dirty="0"/>
-              <a:t>: </a:t>
-            </a:r>
-            <a:r>
-              <a:rPr lang="ko-KR" altLang="en-US" dirty="0"/>
-              <a:t>상품 낙찰 여부 최종 확인</a:t>
-            </a:r>
-            <a:endParaRPr lang="en-US" altLang="ko-KR" dirty="0"/>
-          </a:p>
-          <a:p>
-            <a:pPr lvl="1"/>
-            <a:r>
-              <a:rPr lang="ko-KR" altLang="en-US" dirty="0"/>
+              <a:rPr lang="ko-KR" altLang="en-US"/>
               <a:t>최종 낙찰가 </a:t>
             </a:r>
             <a:r>

--- a/ppt/요구사항 명세서.pptx
+++ b/ppt/요구사항 명세서.pptx
@@ -11,15 +11,19 @@
     <p:sldId id="259" r:id="rId5"/>
     <p:sldId id="260" r:id="rId6"/>
     <p:sldId id="261" r:id="rId7"/>
-    <p:sldId id="262" r:id="rId8"/>
-    <p:sldId id="263" r:id="rId9"/>
-    <p:sldId id="264" r:id="rId10"/>
-    <p:sldId id="265" r:id="rId11"/>
-    <p:sldId id="266" r:id="rId12"/>
-    <p:sldId id="267" r:id="rId13"/>
-    <p:sldId id="268" r:id="rId14"/>
-    <p:sldId id="269" r:id="rId15"/>
-    <p:sldId id="272" r:id="rId16"/>
+    <p:sldId id="273" r:id="rId8"/>
+    <p:sldId id="262" r:id="rId9"/>
+    <p:sldId id="274" r:id="rId10"/>
+    <p:sldId id="263" r:id="rId11"/>
+    <p:sldId id="264" r:id="rId12"/>
+    <p:sldId id="265" r:id="rId13"/>
+    <p:sldId id="266" r:id="rId14"/>
+    <p:sldId id="277" r:id="rId15"/>
+    <p:sldId id="267" r:id="rId16"/>
+    <p:sldId id="268" r:id="rId17"/>
+    <p:sldId id="269" r:id="rId18"/>
+    <p:sldId id="276" r:id="rId19"/>
+    <p:sldId id="272" r:id="rId20"/>
   </p:sldIdLst>
   <p:sldSz cx="12192000" cy="6858000"/>
   <p:notesSz cx="6858000" cy="9144000"/>
@@ -273,7 +277,7 @@
           <a:p>
             <a:fld id="{75D02359-F51A-436E-83F7-7AB13B7DF49E}" type="datetimeFigureOut">
               <a:rPr lang="ko-KR" altLang="en-US" smtClean="0"/>
-              <a:t>2023-03-31</a:t>
+              <a:t>2023-04-03</a:t>
             </a:fld>
             <a:endParaRPr lang="ko-KR" altLang="en-US"/>
           </a:p>
@@ -471,7 +475,7 @@
           <a:p>
             <a:fld id="{75D02359-F51A-436E-83F7-7AB13B7DF49E}" type="datetimeFigureOut">
               <a:rPr lang="ko-KR" altLang="en-US" smtClean="0"/>
-              <a:t>2023-03-31</a:t>
+              <a:t>2023-04-03</a:t>
             </a:fld>
             <a:endParaRPr lang="ko-KR" altLang="en-US"/>
           </a:p>
@@ -679,7 +683,7 @@
           <a:p>
             <a:fld id="{75D02359-F51A-436E-83F7-7AB13B7DF49E}" type="datetimeFigureOut">
               <a:rPr lang="ko-KR" altLang="en-US" smtClean="0"/>
-              <a:t>2023-03-31</a:t>
+              <a:t>2023-04-03</a:t>
             </a:fld>
             <a:endParaRPr lang="ko-KR" altLang="en-US"/>
           </a:p>
@@ -877,7 +881,7 @@
           <a:p>
             <a:fld id="{75D02359-F51A-436E-83F7-7AB13B7DF49E}" type="datetimeFigureOut">
               <a:rPr lang="ko-KR" altLang="en-US" smtClean="0"/>
-              <a:t>2023-03-31</a:t>
+              <a:t>2023-04-03</a:t>
             </a:fld>
             <a:endParaRPr lang="ko-KR" altLang="en-US"/>
           </a:p>
@@ -1152,7 +1156,7 @@
           <a:p>
             <a:fld id="{75D02359-F51A-436E-83F7-7AB13B7DF49E}" type="datetimeFigureOut">
               <a:rPr lang="ko-KR" altLang="en-US" smtClean="0"/>
-              <a:t>2023-03-31</a:t>
+              <a:t>2023-04-03</a:t>
             </a:fld>
             <a:endParaRPr lang="ko-KR" altLang="en-US"/>
           </a:p>
@@ -1417,7 +1421,7 @@
           <a:p>
             <a:fld id="{75D02359-F51A-436E-83F7-7AB13B7DF49E}" type="datetimeFigureOut">
               <a:rPr lang="ko-KR" altLang="en-US" smtClean="0"/>
-              <a:t>2023-03-31</a:t>
+              <a:t>2023-04-03</a:t>
             </a:fld>
             <a:endParaRPr lang="ko-KR" altLang="en-US"/>
           </a:p>
@@ -1829,7 +1833,7 @@
           <a:p>
             <a:fld id="{75D02359-F51A-436E-83F7-7AB13B7DF49E}" type="datetimeFigureOut">
               <a:rPr lang="ko-KR" altLang="en-US" smtClean="0"/>
-              <a:t>2023-03-31</a:t>
+              <a:t>2023-04-03</a:t>
             </a:fld>
             <a:endParaRPr lang="ko-KR" altLang="en-US"/>
           </a:p>
@@ -1970,7 +1974,7 @@
           <a:p>
             <a:fld id="{75D02359-F51A-436E-83F7-7AB13B7DF49E}" type="datetimeFigureOut">
               <a:rPr lang="ko-KR" altLang="en-US" smtClean="0"/>
-              <a:t>2023-03-31</a:t>
+              <a:t>2023-04-03</a:t>
             </a:fld>
             <a:endParaRPr lang="ko-KR" altLang="en-US"/>
           </a:p>
@@ -2083,7 +2087,7 @@
           <a:p>
             <a:fld id="{75D02359-F51A-436E-83F7-7AB13B7DF49E}" type="datetimeFigureOut">
               <a:rPr lang="ko-KR" altLang="en-US" smtClean="0"/>
-              <a:t>2023-03-31</a:t>
+              <a:t>2023-04-03</a:t>
             </a:fld>
             <a:endParaRPr lang="ko-KR" altLang="en-US"/>
           </a:p>
@@ -2394,7 +2398,7 @@
           <a:p>
             <a:fld id="{75D02359-F51A-436E-83F7-7AB13B7DF49E}" type="datetimeFigureOut">
               <a:rPr lang="ko-KR" altLang="en-US" smtClean="0"/>
-              <a:t>2023-03-31</a:t>
+              <a:t>2023-04-03</a:t>
             </a:fld>
             <a:endParaRPr lang="ko-KR" altLang="en-US"/>
           </a:p>
@@ -2682,7 +2686,7 @@
           <a:p>
             <a:fld id="{75D02359-F51A-436E-83F7-7AB13B7DF49E}" type="datetimeFigureOut">
               <a:rPr lang="ko-KR" altLang="en-US" smtClean="0"/>
-              <a:t>2023-03-31</a:t>
+              <a:t>2023-04-03</a:t>
             </a:fld>
             <a:endParaRPr lang="ko-KR" altLang="en-US"/>
           </a:p>
@@ -2923,7 +2927,7 @@
           <a:p>
             <a:fld id="{75D02359-F51A-436E-83F7-7AB13B7DF49E}" type="datetimeFigureOut">
               <a:rPr lang="ko-KR" altLang="en-US" smtClean="0"/>
-              <a:t>2023-03-31</a:t>
+              <a:t>2023-04-03</a:t>
             </a:fld>
             <a:endParaRPr lang="ko-KR" altLang="en-US"/>
           </a:p>
@@ -3428,7 +3432,7 @@
           <p:cNvPr id="2" name="제목 1">
             <a:extLst>
               <a:ext uri="{FF2B5EF4-FFF2-40B4-BE49-F238E27FC236}">
-                <a16:creationId xmlns:a16="http://schemas.microsoft.com/office/drawing/2014/main" id="{853C0A32-3E07-4A5D-ACD7-E9FE8101E68F}"/>
+                <a16:creationId xmlns:a16="http://schemas.microsoft.com/office/drawing/2014/main" id="{B4CA7BFC-A8D6-4B9C-91CA-4EE58A60DBF2}"/>
               </a:ext>
             </a:extLst>
           </p:cNvPr>
@@ -3446,7 +3450,7 @@
           <a:p>
             <a:r>
               <a:rPr lang="ko-KR" altLang="en-US" dirty="0"/>
-              <a:t>평가</a:t>
+              <a:t>검색</a:t>
             </a:r>
           </a:p>
         </p:txBody>
@@ -3456,7 +3460,7 @@
           <p:cNvPr id="3" name="내용 개체 틀 2">
             <a:extLst>
               <a:ext uri="{FF2B5EF4-FFF2-40B4-BE49-F238E27FC236}">
-                <a16:creationId xmlns:a16="http://schemas.microsoft.com/office/drawing/2014/main" id="{98AB280C-8015-4F3C-B3B4-0A6A3267E210}"/>
+                <a16:creationId xmlns:a16="http://schemas.microsoft.com/office/drawing/2014/main" id="{D34E3BBA-1A4E-455A-9409-6658392B0C0F}"/>
               </a:ext>
             </a:extLst>
           </p:cNvPr>
@@ -3474,7 +3478,7 @@
           <a:p>
             <a:r>
               <a:rPr lang="ko-KR" altLang="en-US" dirty="0"/>
-              <a:t>평가 수정</a:t>
+              <a:t>상품 검색</a:t>
             </a:r>
             <a:endParaRPr lang="en-US" altLang="ko-KR" dirty="0"/>
           </a:p>
@@ -3482,7 +3486,23 @@
             <a:pPr lvl="1"/>
             <a:r>
               <a:rPr lang="ko-KR" altLang="en-US" dirty="0"/>
-              <a:t>수정 </a:t>
+              <a:t>상품 이름 검색 </a:t>
+            </a:r>
+            <a:r>
+              <a:rPr lang="en-US" altLang="ko-KR" dirty="0"/>
+              <a:t>: 1</a:t>
+            </a:r>
+            <a:r>
+              <a:rPr lang="ko-KR" altLang="en-US" dirty="0"/>
+              <a:t>자 이상의 문자</a:t>
+            </a:r>
+            <a:endParaRPr lang="en-US" altLang="ko-KR" dirty="0"/>
+          </a:p>
+          <a:p>
+            <a:pPr lvl="1"/>
+            <a:r>
+              <a:rPr lang="ko-KR" altLang="en-US" dirty="0"/>
+              <a:t>카테고리 별 검색 </a:t>
             </a:r>
             <a:r>
               <a:rPr lang="en-US" altLang="ko-KR" dirty="0"/>
@@ -3490,28 +3510,64 @@
             </a:r>
             <a:r>
               <a:rPr lang="ko-KR" altLang="en-US" dirty="0"/>
-              <a:t>회원 </a:t>
+              <a:t>의류</a:t>
             </a:r>
             <a:r>
               <a:rPr lang="en-US" altLang="ko-KR" dirty="0"/>
-              <a:t>Pw</a:t>
-            </a:r>
-            <a:r>
-              <a:rPr lang="ko-KR" altLang="en-US" dirty="0"/>
-              <a:t>를 입력 받아 일치하면 평가 재 작성</a:t>
+              <a:t>,</a:t>
+            </a:r>
+            <a:r>
+              <a:rPr lang="ko-KR" altLang="en-US" dirty="0"/>
+              <a:t>뷰티</a:t>
             </a:r>
             <a:r>
               <a:rPr lang="en-US" altLang="ko-KR" dirty="0"/>
-              <a:t>.</a:t>
-            </a:r>
-            <a:endParaRPr lang="ko-KR" altLang="en-US" dirty="0"/>
+              <a:t>,</a:t>
+            </a:r>
+            <a:r>
+              <a:rPr lang="ko-KR" altLang="en-US" dirty="0"/>
+              <a:t>도서</a:t>
+            </a:r>
+            <a:r>
+              <a:rPr lang="en-US" altLang="ko-KR" dirty="0"/>
+              <a:t>,</a:t>
+            </a:r>
+            <a:r>
+              <a:rPr lang="ko-KR" altLang="en-US" dirty="0"/>
+              <a:t>전자제품</a:t>
+            </a:r>
+            <a:r>
+              <a:rPr lang="en-US" altLang="ko-KR" dirty="0"/>
+              <a:t>,</a:t>
+            </a:r>
+            <a:r>
+              <a:rPr lang="ko-KR" altLang="en-US" dirty="0"/>
+              <a:t>주방용품</a:t>
+            </a:r>
+            <a:r>
+              <a:rPr lang="en-US" altLang="ko-KR"/>
+              <a:t>,</a:t>
+            </a:r>
+            <a:r>
+              <a:rPr lang="ko-KR" altLang="en-US"/>
+              <a:t>문구</a:t>
+            </a:r>
+            <a:endParaRPr lang="en-US" altLang="ko-KR"/>
+          </a:p>
+          <a:p>
+            <a:pPr lvl="1"/>
+            <a:r>
+              <a:rPr lang="ko-KR" altLang="en-US"/>
+              <a:t>상품 검색 시 상품 리스트 조회 화면으로 이동</a:t>
+            </a:r>
+            <a:endParaRPr lang="en-US" altLang="ko-KR" dirty="0"/>
           </a:p>
         </p:txBody>
       </p:sp>
     </p:spTree>
     <p:extLst>
       <p:ext uri="{BB962C8B-B14F-4D97-AF65-F5344CB8AC3E}">
-        <p14:creationId xmlns:p14="http://schemas.microsoft.com/office/powerpoint/2010/main" val="2925286574"/>
+        <p14:creationId xmlns:p14="http://schemas.microsoft.com/office/powerpoint/2010/main" val="3985931750"/>
       </p:ext>
     </p:extLst>
   </p:cSld>
@@ -3543,7 +3599,7 @@
           <p:cNvPr id="2" name="제목 1">
             <a:extLst>
               <a:ext uri="{FF2B5EF4-FFF2-40B4-BE49-F238E27FC236}">
-                <a16:creationId xmlns:a16="http://schemas.microsoft.com/office/drawing/2014/main" id="{A3D945AD-99F3-4962-94CC-F29BF5B323F5}"/>
+                <a16:creationId xmlns:a16="http://schemas.microsoft.com/office/drawing/2014/main" id="{651E3965-2625-4E25-BB98-9A55F7D2D44A}"/>
               </a:ext>
             </a:extLst>
           </p:cNvPr>
@@ -3571,7 +3627,7 @@
           <p:cNvPr id="3" name="내용 개체 틀 2">
             <a:extLst>
               <a:ext uri="{FF2B5EF4-FFF2-40B4-BE49-F238E27FC236}">
-                <a16:creationId xmlns:a16="http://schemas.microsoft.com/office/drawing/2014/main" id="{CD638D4C-9C62-4197-BF3D-9DE5041CB677}"/>
+                <a16:creationId xmlns:a16="http://schemas.microsoft.com/office/drawing/2014/main" id="{9E642205-1687-40B1-A587-49A4FC59323C}"/>
               </a:ext>
             </a:extLst>
           </p:cNvPr>
@@ -3588,8 +3644,20 @@
           <a:lstStyle/>
           <a:p>
             <a:r>
-              <a:rPr lang="ko-KR" altLang="en-US" dirty="0"/>
-              <a:t>평가 삭제</a:t>
+              <a:rPr lang="ko-KR" altLang="en-US"/>
+              <a:t>평가 작성</a:t>
+            </a:r>
+            <a:r>
+              <a:rPr lang="en-US" altLang="ko-KR"/>
+              <a:t>(</a:t>
+            </a:r>
+            <a:r>
+              <a:rPr lang="ko-KR" altLang="en-US"/>
+              <a:t>댓글만 가능</a:t>
+            </a:r>
+            <a:r>
+              <a:rPr lang="en-US" altLang="ko-KR"/>
+              <a:t>)</a:t>
             </a:r>
             <a:endParaRPr lang="en-US" altLang="ko-KR" dirty="0"/>
           </a:p>
@@ -3597,23 +3665,31 @@
             <a:pPr lvl="1"/>
             <a:r>
               <a:rPr lang="ko-KR" altLang="en-US" dirty="0"/>
-              <a:t>삭제 </a:t>
+              <a:t>글 작성 </a:t>
             </a:r>
             <a:r>
               <a:rPr lang="en-US" altLang="ko-KR" dirty="0"/>
-              <a:t>: </a:t>
-            </a:r>
-            <a:r>
-              <a:rPr lang="ko-KR" altLang="en-US" dirty="0"/>
-              <a:t>회원 </a:t>
+              <a:t>: 200</a:t>
+            </a:r>
+            <a:r>
+              <a:rPr lang="ko-KR" altLang="en-US" dirty="0"/>
+              <a:t>자 이내의 문자</a:t>
+            </a:r>
+            <a:endParaRPr lang="en-US" altLang="ko-KR" dirty="0"/>
+          </a:p>
+          <a:p>
+            <a:pPr lvl="1"/>
+            <a:r>
+              <a:rPr lang="ko-KR" altLang="en-US" dirty="0"/>
+              <a:t>평점 </a:t>
             </a:r>
             <a:r>
               <a:rPr lang="en-US" altLang="ko-KR" dirty="0"/>
-              <a:t>Pw</a:t>
-            </a:r>
-            <a:r>
-              <a:rPr lang="ko-KR" altLang="en-US" dirty="0"/>
-              <a:t>를 입력하여 일치하면 평가 삭제</a:t>
+              <a:t>: 5</a:t>
+            </a:r>
+            <a:r>
+              <a:rPr lang="ko-KR" altLang="en-US" dirty="0"/>
+              <a:t>점 만점</a:t>
             </a:r>
           </a:p>
         </p:txBody>
@@ -3621,7 +3697,7 @@
     </p:spTree>
     <p:extLst>
       <p:ext uri="{BB962C8B-B14F-4D97-AF65-F5344CB8AC3E}">
-        <p14:creationId xmlns:p14="http://schemas.microsoft.com/office/powerpoint/2010/main" val="1378845297"/>
+        <p14:creationId xmlns:p14="http://schemas.microsoft.com/office/powerpoint/2010/main" val="3496314973"/>
       </p:ext>
     </p:extLst>
   </p:cSld>
@@ -3653,7 +3729,7 @@
           <p:cNvPr id="2" name="제목 1">
             <a:extLst>
               <a:ext uri="{FF2B5EF4-FFF2-40B4-BE49-F238E27FC236}">
-                <a16:creationId xmlns:a16="http://schemas.microsoft.com/office/drawing/2014/main" id="{C37FB200-AC4A-488A-8E12-56F8A2888BBD}"/>
+                <a16:creationId xmlns:a16="http://schemas.microsoft.com/office/drawing/2014/main" id="{853C0A32-3E07-4A5D-ACD7-E9FE8101E68F}"/>
               </a:ext>
             </a:extLst>
           </p:cNvPr>
@@ -3671,7 +3747,7 @@
           <a:p>
             <a:r>
               <a:rPr lang="ko-KR" altLang="en-US" dirty="0"/>
-              <a:t>마이페이지</a:t>
+              <a:t>평가</a:t>
             </a:r>
           </a:p>
         </p:txBody>
@@ -3681,7 +3757,7 @@
           <p:cNvPr id="3" name="내용 개체 틀 2">
             <a:extLst>
               <a:ext uri="{FF2B5EF4-FFF2-40B4-BE49-F238E27FC236}">
-                <a16:creationId xmlns:a16="http://schemas.microsoft.com/office/drawing/2014/main" id="{1E9BE2C9-F797-4AE1-95FE-0B38654A3F78}"/>
+                <a16:creationId xmlns:a16="http://schemas.microsoft.com/office/drawing/2014/main" id="{98AB280C-8015-4F3C-B3B4-0A6A3267E210}"/>
               </a:ext>
             </a:extLst>
           </p:cNvPr>
@@ -3699,7 +3775,7 @@
           <a:p>
             <a:r>
               <a:rPr lang="ko-KR" altLang="en-US" dirty="0"/>
-              <a:t>회원정보 수정</a:t>
+              <a:t>평가 수정</a:t>
             </a:r>
             <a:endParaRPr lang="en-US" altLang="ko-KR" dirty="0"/>
           </a:p>
@@ -3707,143 +3783,16 @@
             <a:pPr lvl="1"/>
             <a:r>
               <a:rPr lang="ko-KR" altLang="en-US" dirty="0"/>
-              <a:t>프로필 이미지  수정 </a:t>
-            </a:r>
-            <a:r>
-              <a:rPr lang="en-US" altLang="ko-KR" dirty="0"/>
+              <a:t>수정 </a:t>
+            </a:r>
+            <a:r>
+              <a:rPr lang="en-US" altLang="ko-KR"/>
               <a:t>: </a:t>
             </a:r>
             <a:r>
-              <a:rPr lang="en-US" altLang="ko-KR" dirty="0" err="1"/>
-              <a:t>png</a:t>
-            </a:r>
-            <a:r>
-              <a:rPr lang="en-US" altLang="ko-KR" dirty="0"/>
-              <a:t>, jpg </a:t>
-            </a:r>
-            <a:r>
-              <a:rPr lang="ko-KR" altLang="en-US" dirty="0"/>
-              <a:t>형식의 이미지 파일</a:t>
-            </a:r>
-            <a:endParaRPr lang="en-US" altLang="ko-KR" dirty="0"/>
-          </a:p>
-          <a:p>
-            <a:pPr lvl="1"/>
-            <a:r>
-              <a:rPr lang="ko-KR" altLang="en-US" dirty="0"/>
-              <a:t>거래 </a:t>
-            </a:r>
-            <a:r>
-              <a:rPr lang="ko-KR" altLang="en-US" dirty="0" err="1"/>
-              <a:t>희망지</a:t>
-            </a:r>
-            <a:r>
-              <a:rPr lang="ko-KR" altLang="en-US" dirty="0"/>
-              <a:t> 수정 </a:t>
-            </a:r>
-            <a:r>
-              <a:rPr lang="en-US" altLang="ko-KR" dirty="0"/>
-              <a:t>: </a:t>
-            </a:r>
-            <a:r>
-              <a:rPr lang="ko-KR" altLang="en-US" dirty="0"/>
-              <a:t>거래희망지 </a:t>
-            </a:r>
-            <a:r>
-              <a:rPr lang="en-US" altLang="ko-KR" dirty="0"/>
-              <a:t>: xxx</a:t>
-            </a:r>
-            <a:r>
-              <a:rPr lang="ko-KR" altLang="en-US" dirty="0"/>
-              <a:t>도 </a:t>
-            </a:r>
-            <a:r>
-              <a:rPr lang="en-US" altLang="ko-KR" dirty="0"/>
-              <a:t>xxx</a:t>
-            </a:r>
-            <a:r>
-              <a:rPr lang="ko-KR" altLang="en-US" dirty="0"/>
-              <a:t>시 </a:t>
-            </a:r>
-            <a:r>
-              <a:rPr lang="en-US" altLang="ko-KR" dirty="0"/>
-              <a:t>xxx</a:t>
-            </a:r>
-            <a:r>
-              <a:rPr lang="ko-KR" altLang="en-US" dirty="0"/>
-              <a:t>구 </a:t>
-            </a:r>
-            <a:r>
-              <a:rPr lang="en-US" altLang="ko-KR" dirty="0"/>
-              <a:t>xxx</a:t>
-            </a:r>
-            <a:r>
-              <a:rPr lang="ko-KR" altLang="en-US" dirty="0"/>
-              <a:t>동 형식</a:t>
-            </a:r>
-            <a:endParaRPr lang="en-US" altLang="ko-KR" dirty="0"/>
-          </a:p>
-          <a:p>
-            <a:pPr lvl="1"/>
-            <a:r>
-              <a:rPr lang="ko-KR" altLang="en-US" dirty="0"/>
-              <a:t>전화번호 수정</a:t>
-            </a:r>
-            <a:r>
-              <a:rPr lang="en-US" altLang="ko-KR" dirty="0"/>
-              <a:t> : 010-xxxx-xxxx</a:t>
-            </a:r>
-            <a:r>
-              <a:rPr lang="ko-KR" altLang="en-US" dirty="0"/>
-              <a:t>형식</a:t>
-            </a:r>
-            <a:endParaRPr lang="en-US" altLang="ko-KR" dirty="0"/>
-          </a:p>
-          <a:p>
-            <a:pPr lvl="1"/>
-            <a:r>
-              <a:rPr lang="en-US" altLang="ko-KR" dirty="0"/>
-              <a:t>Pw</a:t>
-            </a:r>
-            <a:r>
-              <a:rPr lang="ko-KR" altLang="en-US" dirty="0"/>
-              <a:t>수정</a:t>
-            </a:r>
-            <a:r>
-              <a:rPr lang="en-US" altLang="ko-KR" dirty="0"/>
-              <a:t> : </a:t>
-            </a:r>
-            <a:r>
-              <a:rPr lang="ko-KR" altLang="en-US" dirty="0"/>
-              <a:t>구성은 영 소문자</a:t>
-            </a:r>
-            <a:r>
-              <a:rPr lang="en-US" altLang="ko-KR" dirty="0"/>
-              <a:t>,</a:t>
-            </a:r>
-            <a:r>
-              <a:rPr lang="ko-KR" altLang="en-US" dirty="0"/>
-              <a:t>특수문자를 포함해야 함</a:t>
-            </a:r>
-            <a:r>
-              <a:rPr lang="en-US" altLang="ko-KR" dirty="0"/>
-              <a:t>.</a:t>
-            </a:r>
-          </a:p>
-          <a:p>
-            <a:pPr lvl="1"/>
-            <a:endParaRPr lang="en-US" altLang="ko-KR" dirty="0"/>
-          </a:p>
-          <a:p>
-            <a:pPr lvl="1"/>
-            <a:endParaRPr lang="en-US" altLang="ko-KR" dirty="0"/>
-          </a:p>
-          <a:p>
-            <a:pPr lvl="1"/>
-            <a:endParaRPr lang="en-US" altLang="ko-KR" dirty="0"/>
-          </a:p>
-          <a:p>
-            <a:pPr lvl="1"/>
+              <a:rPr lang="ko-KR" altLang="en-US"/>
+              <a:t>로그인 된 사용자는 자신의 댓글 수정 가능</a:t>
+            </a:r>
             <a:endParaRPr lang="ko-KR" altLang="en-US" dirty="0"/>
           </a:p>
         </p:txBody>
@@ -3851,7 +3800,7 @@
     </p:spTree>
     <p:extLst>
       <p:ext uri="{BB962C8B-B14F-4D97-AF65-F5344CB8AC3E}">
-        <p14:creationId xmlns:p14="http://schemas.microsoft.com/office/powerpoint/2010/main" val="426198811"/>
+        <p14:creationId xmlns:p14="http://schemas.microsoft.com/office/powerpoint/2010/main" val="2925286574"/>
       </p:ext>
     </p:extLst>
   </p:cSld>
@@ -3883,7 +3832,7 @@
           <p:cNvPr id="2" name="제목 1">
             <a:extLst>
               <a:ext uri="{FF2B5EF4-FFF2-40B4-BE49-F238E27FC236}">
-                <a16:creationId xmlns:a16="http://schemas.microsoft.com/office/drawing/2014/main" id="{6CE761DC-F887-45AD-B188-22AA3C6CE40F}"/>
+                <a16:creationId xmlns:a16="http://schemas.microsoft.com/office/drawing/2014/main" id="{A3D945AD-99F3-4962-94CC-F29BF5B323F5}"/>
               </a:ext>
             </a:extLst>
           </p:cNvPr>
@@ -3901,7 +3850,7 @@
           <a:p>
             <a:r>
               <a:rPr lang="ko-KR" altLang="en-US" dirty="0"/>
-              <a:t>마이페이지</a:t>
+              <a:t>평가</a:t>
             </a:r>
           </a:p>
         </p:txBody>
@@ -3911,7 +3860,7 @@
           <p:cNvPr id="3" name="내용 개체 틀 2">
             <a:extLst>
               <a:ext uri="{FF2B5EF4-FFF2-40B4-BE49-F238E27FC236}">
-                <a16:creationId xmlns:a16="http://schemas.microsoft.com/office/drawing/2014/main" id="{D6993A95-E86F-4CCD-858A-4B37861CCFAF}"/>
+                <a16:creationId xmlns:a16="http://schemas.microsoft.com/office/drawing/2014/main" id="{CD638D4C-9C62-4197-BF3D-9DE5041CB677}"/>
               </a:ext>
             </a:extLst>
           </p:cNvPr>
@@ -3929,7 +3878,7 @@
           <a:p>
             <a:r>
               <a:rPr lang="ko-KR" altLang="en-US" dirty="0"/>
-              <a:t>찜 목록 조회</a:t>
+              <a:t>평가 삭제</a:t>
             </a:r>
             <a:endParaRPr lang="en-US" altLang="ko-KR" dirty="0"/>
           </a:p>
@@ -3937,32 +3886,16 @@
             <a:pPr lvl="1"/>
             <a:r>
               <a:rPr lang="ko-KR" altLang="en-US" dirty="0"/>
-              <a:t>찜 상품 이미지</a:t>
-            </a:r>
-            <a:endParaRPr lang="en-US" altLang="ko-KR" dirty="0"/>
-          </a:p>
-          <a:p>
-            <a:pPr lvl="1"/>
-            <a:r>
-              <a:rPr lang="ko-KR" altLang="en-US" dirty="0"/>
-              <a:t>찜 상품 현재 </a:t>
-            </a:r>
-            <a:r>
-              <a:rPr lang="ko-KR" altLang="en-US" dirty="0" err="1"/>
-              <a:t>입찰가</a:t>
-            </a:r>
-            <a:endParaRPr lang="en-US" altLang="ko-KR" dirty="0"/>
-          </a:p>
-          <a:p>
-            <a:pPr lvl="1"/>
-            <a:r>
-              <a:rPr lang="ko-KR" altLang="en-US" dirty="0"/>
-              <a:t>찜 상품 이름</a:t>
-            </a:r>
-            <a:endParaRPr lang="en-US" altLang="ko-KR" dirty="0"/>
-          </a:p>
-          <a:p>
-            <a:pPr lvl="1"/>
+              <a:t>삭제 </a:t>
+            </a:r>
+            <a:r>
+              <a:rPr lang="en-US" altLang="ko-KR"/>
+              <a:t>: </a:t>
+            </a:r>
+            <a:r>
+              <a:rPr lang="ko-KR" altLang="en-US"/>
+              <a:t>로그인 된 사용자는 자신의 댓글 삭제 가능</a:t>
+            </a:r>
             <a:endParaRPr lang="ko-KR" altLang="en-US" dirty="0"/>
           </a:p>
         </p:txBody>
@@ -3970,7 +3903,7 @@
     </p:spTree>
     <p:extLst>
       <p:ext uri="{BB962C8B-B14F-4D97-AF65-F5344CB8AC3E}">
-        <p14:creationId xmlns:p14="http://schemas.microsoft.com/office/powerpoint/2010/main" val="4032169319"/>
+        <p14:creationId xmlns:p14="http://schemas.microsoft.com/office/powerpoint/2010/main" val="1378845297"/>
       </p:ext>
     </p:extLst>
   </p:cSld>
@@ -4002,6 +3935,473 @@
           <p:cNvPr id="2" name="제목 1">
             <a:extLst>
               <a:ext uri="{FF2B5EF4-FFF2-40B4-BE49-F238E27FC236}">
+                <a16:creationId xmlns:a16="http://schemas.microsoft.com/office/drawing/2014/main" id="{C37FB200-AC4A-488A-8E12-56F8A2888BBD}"/>
+              </a:ext>
+            </a:extLst>
+          </p:cNvPr>
+          <p:cNvSpPr>
+            <a:spLocks noGrp="1"/>
+          </p:cNvSpPr>
+          <p:nvPr>
+            <p:ph type="title"/>
+          </p:nvPr>
+        </p:nvSpPr>
+        <p:spPr/>
+        <p:txBody>
+          <a:bodyPr/>
+          <a:lstStyle/>
+          <a:p>
+            <a:r>
+              <a:rPr lang="ko-KR" altLang="en-US" dirty="0"/>
+              <a:t>마이페이지</a:t>
+            </a:r>
+          </a:p>
+        </p:txBody>
+      </p:sp>
+      <p:sp>
+        <p:nvSpPr>
+          <p:cNvPr id="3" name="내용 개체 틀 2">
+            <a:extLst>
+              <a:ext uri="{FF2B5EF4-FFF2-40B4-BE49-F238E27FC236}">
+                <a16:creationId xmlns:a16="http://schemas.microsoft.com/office/drawing/2014/main" id="{1E9BE2C9-F797-4AE1-95FE-0B38654A3F78}"/>
+              </a:ext>
+            </a:extLst>
+          </p:cNvPr>
+          <p:cNvSpPr>
+            <a:spLocks noGrp="1"/>
+          </p:cNvSpPr>
+          <p:nvPr>
+            <p:ph idx="1"/>
+          </p:nvPr>
+        </p:nvSpPr>
+        <p:spPr/>
+        <p:txBody>
+          <a:bodyPr/>
+          <a:lstStyle/>
+          <a:p>
+            <a:pPr lvl="1"/>
+            <a:r>
+              <a:rPr lang="ko-KR" altLang="en-US"/>
+              <a:t>회원정보 수정</a:t>
+            </a:r>
+            <a:endParaRPr lang="en-US" altLang="ko-KR"/>
+          </a:p>
+          <a:p>
+            <a:pPr lvl="1"/>
+            <a:r>
+              <a:rPr lang="ko-KR" altLang="en-US"/>
+              <a:t>찜 목록</a:t>
+            </a:r>
+            <a:endParaRPr lang="en-US" altLang="ko-KR"/>
+          </a:p>
+          <a:p>
+            <a:pPr lvl="1"/>
+            <a:r>
+              <a:rPr lang="ko-KR" altLang="en-US"/>
+              <a:t>거래내역</a:t>
+            </a:r>
+            <a:endParaRPr lang="en-US" altLang="ko-KR"/>
+          </a:p>
+          <a:p>
+            <a:pPr lvl="1"/>
+            <a:r>
+              <a:rPr lang="ko-KR" altLang="en-US"/>
+              <a:t>아나머니</a:t>
+            </a:r>
+            <a:endParaRPr lang="en-US" altLang="ko-KR"/>
+          </a:p>
+          <a:p>
+            <a:pPr lvl="1"/>
+            <a:r>
+              <a:rPr lang="ko-KR" altLang="en-US"/>
+              <a:t>내가 등록한 상품</a:t>
+            </a:r>
+            <a:endParaRPr lang="en-US" altLang="ko-KR"/>
+          </a:p>
+          <a:p>
+            <a:pPr lvl="1"/>
+            <a:r>
+              <a:rPr lang="ko-KR" altLang="en-US"/>
+              <a:t>현재 입찰중인 물건</a:t>
+            </a:r>
+            <a:endParaRPr lang="en-US" altLang="ko-KR" dirty="0"/>
+          </a:p>
+          <a:p>
+            <a:pPr lvl="1"/>
+            <a:endParaRPr lang="ko-KR" altLang="en-US" dirty="0"/>
+          </a:p>
+        </p:txBody>
+      </p:sp>
+    </p:spTree>
+    <p:extLst>
+      <p:ext uri="{BB962C8B-B14F-4D97-AF65-F5344CB8AC3E}">
+        <p14:creationId xmlns:p14="http://schemas.microsoft.com/office/powerpoint/2010/main" val="3098797393"/>
+      </p:ext>
+    </p:extLst>
+  </p:cSld>
+  <p:clrMapOvr>
+    <a:masterClrMapping/>
+  </p:clrMapOvr>
+</p:sld>
+</file>
+
+<file path=ppt/slides/slide15.xml><?xml version="1.0" encoding="utf-8"?>
+<p:sld xmlns:a="http://schemas.openxmlformats.org/drawingml/2006/main" xmlns:r="http://schemas.openxmlformats.org/officeDocument/2006/relationships" xmlns:p="http://schemas.openxmlformats.org/presentationml/2006/main">
+  <p:cSld>
+    <p:spTree>
+      <p:nvGrpSpPr>
+        <p:cNvPr id="1" name=""/>
+        <p:cNvGrpSpPr/>
+        <p:nvPr/>
+      </p:nvGrpSpPr>
+      <p:grpSpPr>
+        <a:xfrm>
+          <a:off x="0" y="0"/>
+          <a:ext cx="0" cy="0"/>
+          <a:chOff x="0" y="0"/>
+          <a:chExt cx="0" cy="0"/>
+        </a:xfrm>
+      </p:grpSpPr>
+      <p:sp>
+        <p:nvSpPr>
+          <p:cNvPr id="2" name="제목 1">
+            <a:extLst>
+              <a:ext uri="{FF2B5EF4-FFF2-40B4-BE49-F238E27FC236}">
+                <a16:creationId xmlns:a16="http://schemas.microsoft.com/office/drawing/2014/main" id="{C37FB200-AC4A-488A-8E12-56F8A2888BBD}"/>
+              </a:ext>
+            </a:extLst>
+          </p:cNvPr>
+          <p:cNvSpPr>
+            <a:spLocks noGrp="1"/>
+          </p:cNvSpPr>
+          <p:nvPr>
+            <p:ph type="title"/>
+          </p:nvPr>
+        </p:nvSpPr>
+        <p:spPr/>
+        <p:txBody>
+          <a:bodyPr/>
+          <a:lstStyle/>
+          <a:p>
+            <a:r>
+              <a:rPr lang="ko-KR" altLang="en-US" dirty="0"/>
+              <a:t>마이페이지</a:t>
+            </a:r>
+          </a:p>
+        </p:txBody>
+      </p:sp>
+      <p:sp>
+        <p:nvSpPr>
+          <p:cNvPr id="3" name="내용 개체 틀 2">
+            <a:extLst>
+              <a:ext uri="{FF2B5EF4-FFF2-40B4-BE49-F238E27FC236}">
+                <a16:creationId xmlns:a16="http://schemas.microsoft.com/office/drawing/2014/main" id="{1E9BE2C9-F797-4AE1-95FE-0B38654A3F78}"/>
+              </a:ext>
+            </a:extLst>
+          </p:cNvPr>
+          <p:cNvSpPr>
+            <a:spLocks noGrp="1"/>
+          </p:cNvSpPr>
+          <p:nvPr>
+            <p:ph idx="1"/>
+          </p:nvPr>
+        </p:nvSpPr>
+        <p:spPr/>
+        <p:txBody>
+          <a:bodyPr/>
+          <a:lstStyle/>
+          <a:p>
+            <a:r>
+              <a:rPr lang="ko-KR" altLang="en-US" dirty="0"/>
+              <a:t>회원정보 수정</a:t>
+            </a:r>
+            <a:endParaRPr lang="en-US" altLang="ko-KR" dirty="0"/>
+          </a:p>
+          <a:p>
+            <a:pPr lvl="1"/>
+            <a:r>
+              <a:rPr lang="en-US" altLang="ko-KR"/>
+              <a:t>Pw : </a:t>
+            </a:r>
+            <a:r>
+              <a:rPr lang="ko-KR" altLang="en-US"/>
+              <a:t>구성은 영 소문자</a:t>
+            </a:r>
+            <a:r>
+              <a:rPr lang="en-US" altLang="ko-KR"/>
+              <a:t>,</a:t>
+            </a:r>
+            <a:r>
+              <a:rPr lang="ko-KR" altLang="en-US"/>
+              <a:t>특수문자를 포함해야함</a:t>
+            </a:r>
+            <a:endParaRPr lang="en-US" altLang="ko-KR"/>
+          </a:p>
+          <a:p>
+            <a:pPr lvl="1"/>
+            <a:r>
+              <a:rPr lang="ko-KR" altLang="en-US"/>
+              <a:t>전화번호 </a:t>
+            </a:r>
+            <a:r>
+              <a:rPr lang="en-US" altLang="ko-KR"/>
+              <a:t>: 010-xxxx-xxxx</a:t>
+            </a:r>
+          </a:p>
+          <a:p>
+            <a:pPr lvl="1"/>
+            <a:r>
+              <a:rPr lang="ko-KR" altLang="en-US"/>
+              <a:t>생년월일 </a:t>
+            </a:r>
+            <a:r>
+              <a:rPr lang="en-US" altLang="ko-KR"/>
+              <a:t>: yyyy-mm-dd</a:t>
+            </a:r>
+          </a:p>
+          <a:p>
+            <a:pPr lvl="1"/>
+            <a:r>
+              <a:rPr lang="ko-KR" altLang="en-US"/>
+              <a:t>닉네임  </a:t>
+            </a:r>
+            <a:r>
+              <a:rPr lang="en-US" altLang="ko-KR"/>
+              <a:t>: 20</a:t>
+            </a:r>
+            <a:r>
+              <a:rPr lang="ko-KR" altLang="en-US"/>
+              <a:t>자 이내의 문자</a:t>
+            </a:r>
+            <a:r>
+              <a:rPr lang="en-US" altLang="ko-KR"/>
+              <a:t>(</a:t>
+            </a:r>
+            <a:r>
+              <a:rPr lang="ko-KR" altLang="en-US"/>
+              <a:t>중복확인</a:t>
+            </a:r>
+            <a:r>
+              <a:rPr lang="en-US" altLang="ko-KR"/>
+              <a:t>)</a:t>
+            </a:r>
+          </a:p>
+          <a:p>
+            <a:pPr lvl="1"/>
+            <a:r>
+              <a:rPr lang="ko-KR" altLang="en-US"/>
+              <a:t>거래희망지 </a:t>
+            </a:r>
+            <a:r>
+              <a:rPr lang="en-US" altLang="ko-KR"/>
+              <a:t>: </a:t>
+            </a:r>
+            <a:r>
+              <a:rPr lang="ko-KR" altLang="en-US"/>
+              <a:t>도로명 </a:t>
+            </a:r>
+            <a:r>
+              <a:rPr lang="en-US" altLang="ko-KR"/>
+              <a:t>API </a:t>
+            </a:r>
+            <a:r>
+              <a:rPr lang="ko-KR" altLang="en-US"/>
+              <a:t>사용하여 도로명과 상세주소 따로 저장</a:t>
+            </a:r>
+            <a:endParaRPr lang="en-US" altLang="ko-KR" dirty="0"/>
+          </a:p>
+          <a:p>
+            <a:pPr lvl="1"/>
+            <a:endParaRPr lang="en-US" altLang="ko-KR" dirty="0"/>
+          </a:p>
+          <a:p>
+            <a:pPr lvl="1"/>
+            <a:endParaRPr lang="ko-KR" altLang="en-US" dirty="0"/>
+          </a:p>
+        </p:txBody>
+      </p:sp>
+    </p:spTree>
+    <p:extLst>
+      <p:ext uri="{BB962C8B-B14F-4D97-AF65-F5344CB8AC3E}">
+        <p14:creationId xmlns:p14="http://schemas.microsoft.com/office/powerpoint/2010/main" val="426198811"/>
+      </p:ext>
+    </p:extLst>
+  </p:cSld>
+  <p:clrMapOvr>
+    <a:masterClrMapping/>
+  </p:clrMapOvr>
+</p:sld>
+</file>
+
+<file path=ppt/slides/slide16.xml><?xml version="1.0" encoding="utf-8"?>
+<p:sld xmlns:a="http://schemas.openxmlformats.org/drawingml/2006/main" xmlns:r="http://schemas.openxmlformats.org/officeDocument/2006/relationships" xmlns:p="http://schemas.openxmlformats.org/presentationml/2006/main">
+  <p:cSld>
+    <p:spTree>
+      <p:nvGrpSpPr>
+        <p:cNvPr id="1" name=""/>
+        <p:cNvGrpSpPr/>
+        <p:nvPr/>
+      </p:nvGrpSpPr>
+      <p:grpSpPr>
+        <a:xfrm>
+          <a:off x="0" y="0"/>
+          <a:ext cx="0" cy="0"/>
+          <a:chOff x="0" y="0"/>
+          <a:chExt cx="0" cy="0"/>
+        </a:xfrm>
+      </p:grpSpPr>
+      <p:sp>
+        <p:nvSpPr>
+          <p:cNvPr id="2" name="제목 1">
+            <a:extLst>
+              <a:ext uri="{FF2B5EF4-FFF2-40B4-BE49-F238E27FC236}">
+                <a16:creationId xmlns:a16="http://schemas.microsoft.com/office/drawing/2014/main" id="{6CE761DC-F887-45AD-B188-22AA3C6CE40F}"/>
+              </a:ext>
+            </a:extLst>
+          </p:cNvPr>
+          <p:cNvSpPr>
+            <a:spLocks noGrp="1"/>
+          </p:cNvSpPr>
+          <p:nvPr>
+            <p:ph type="title"/>
+          </p:nvPr>
+        </p:nvSpPr>
+        <p:spPr/>
+        <p:txBody>
+          <a:bodyPr/>
+          <a:lstStyle/>
+          <a:p>
+            <a:r>
+              <a:rPr lang="ko-KR" altLang="en-US" dirty="0"/>
+              <a:t>마이페이지</a:t>
+            </a:r>
+          </a:p>
+        </p:txBody>
+      </p:sp>
+      <p:sp>
+        <p:nvSpPr>
+          <p:cNvPr id="3" name="내용 개체 틀 2">
+            <a:extLst>
+              <a:ext uri="{FF2B5EF4-FFF2-40B4-BE49-F238E27FC236}">
+                <a16:creationId xmlns:a16="http://schemas.microsoft.com/office/drawing/2014/main" id="{D6993A95-E86F-4CCD-858A-4B37861CCFAF}"/>
+              </a:ext>
+            </a:extLst>
+          </p:cNvPr>
+          <p:cNvSpPr>
+            <a:spLocks noGrp="1"/>
+          </p:cNvSpPr>
+          <p:nvPr>
+            <p:ph idx="1"/>
+          </p:nvPr>
+        </p:nvSpPr>
+        <p:spPr/>
+        <p:txBody>
+          <a:bodyPr/>
+          <a:lstStyle/>
+          <a:p>
+            <a:r>
+              <a:rPr lang="ko-KR" altLang="en-US" dirty="0"/>
+              <a:t>찜 목록 조회</a:t>
+            </a:r>
+            <a:endParaRPr lang="en-US" altLang="ko-KR" dirty="0"/>
+          </a:p>
+          <a:p>
+            <a:pPr lvl="1"/>
+            <a:r>
+              <a:rPr lang="ko-KR" altLang="en-US" dirty="0"/>
+              <a:t>찜 상품 이미지</a:t>
+            </a:r>
+            <a:endParaRPr lang="en-US" altLang="ko-KR" dirty="0"/>
+          </a:p>
+          <a:p>
+            <a:pPr lvl="1"/>
+            <a:r>
+              <a:rPr lang="ko-KR" altLang="en-US" dirty="0"/>
+              <a:t>찜 상품 </a:t>
+            </a:r>
+            <a:r>
+              <a:rPr lang="ko-KR" altLang="en-US"/>
+              <a:t>현재 낙찰여부</a:t>
+            </a:r>
+            <a:endParaRPr lang="en-US" altLang="ko-KR"/>
+          </a:p>
+          <a:p>
+            <a:pPr lvl="1"/>
+            <a:r>
+              <a:rPr lang="ko-KR" altLang="en-US"/>
+              <a:t>낙찰 완료 시 낙찰금액</a:t>
+            </a:r>
+            <a:endParaRPr lang="en-US" altLang="ko-KR"/>
+          </a:p>
+          <a:p>
+            <a:pPr lvl="1"/>
+            <a:r>
+              <a:rPr lang="ko-KR" altLang="en-US"/>
+              <a:t>낙찰 비 완료 시 현재 입찰 금액</a:t>
+            </a:r>
+            <a:endParaRPr lang="en-US" altLang="ko-KR" dirty="0"/>
+          </a:p>
+          <a:p>
+            <a:pPr lvl="1"/>
+            <a:r>
+              <a:rPr lang="ko-KR" altLang="en-US" dirty="0"/>
+              <a:t>찜 </a:t>
+            </a:r>
+            <a:r>
+              <a:rPr lang="ko-KR" altLang="en-US"/>
+              <a:t>상품 이름</a:t>
+            </a:r>
+            <a:endParaRPr lang="en-US" altLang="ko-KR"/>
+          </a:p>
+          <a:p>
+            <a:pPr lvl="1"/>
+            <a:r>
+              <a:rPr lang="ko-KR" altLang="en-US"/>
+              <a:t>클릭 시 상품 상세화면 이동</a:t>
+            </a:r>
+            <a:endParaRPr lang="en-US" altLang="ko-KR" dirty="0"/>
+          </a:p>
+          <a:p>
+            <a:pPr lvl="1"/>
+            <a:endParaRPr lang="ko-KR" altLang="en-US" dirty="0"/>
+          </a:p>
+        </p:txBody>
+      </p:sp>
+    </p:spTree>
+    <p:extLst>
+      <p:ext uri="{BB962C8B-B14F-4D97-AF65-F5344CB8AC3E}">
+        <p14:creationId xmlns:p14="http://schemas.microsoft.com/office/powerpoint/2010/main" val="4032169319"/>
+      </p:ext>
+    </p:extLst>
+  </p:cSld>
+  <p:clrMapOvr>
+    <a:masterClrMapping/>
+  </p:clrMapOvr>
+</p:sld>
+</file>
+
+<file path=ppt/slides/slide17.xml><?xml version="1.0" encoding="utf-8"?>
+<p:sld xmlns:a="http://schemas.openxmlformats.org/drawingml/2006/main" xmlns:r="http://schemas.openxmlformats.org/officeDocument/2006/relationships" xmlns:p="http://schemas.openxmlformats.org/presentationml/2006/main">
+  <p:cSld>
+    <p:spTree>
+      <p:nvGrpSpPr>
+        <p:cNvPr id="1" name=""/>
+        <p:cNvGrpSpPr/>
+        <p:nvPr/>
+      </p:nvGrpSpPr>
+      <p:grpSpPr>
+        <a:xfrm>
+          <a:off x="0" y="0"/>
+          <a:ext cx="0" cy="0"/>
+          <a:chOff x="0" y="0"/>
+          <a:chExt cx="0" cy="0"/>
+        </a:xfrm>
+      </p:grpSpPr>
+      <p:sp>
+        <p:nvSpPr>
+          <p:cNvPr id="2" name="제목 1">
+            <a:extLst>
+              <a:ext uri="{FF2B5EF4-FFF2-40B4-BE49-F238E27FC236}">
                 <a16:creationId xmlns:a16="http://schemas.microsoft.com/office/drawing/2014/main" id="{A2195557-2D0B-4A18-ADB1-8980A6B0448E}"/>
               </a:ext>
             </a:extLst>
@@ -4041,14 +4441,43 @@
             <p:ph idx="1"/>
           </p:nvPr>
         </p:nvSpPr>
-        <p:spPr/>
-        <p:txBody>
-          <a:bodyPr/>
-          <a:lstStyle/>
-          <a:p>
-            <a:r>
-              <a:rPr lang="ko-KR" altLang="en-US" dirty="0"/>
-              <a:t>거래 내역 조회</a:t>
+        <p:spPr>
+          <a:xfrm>
+            <a:off x="838200" y="1825625"/>
+            <a:ext cx="10515600" cy="4667250"/>
+          </a:xfrm>
+        </p:spPr>
+        <p:txBody>
+          <a:bodyPr/>
+          <a:lstStyle/>
+          <a:p>
+            <a:r>
+              <a:rPr lang="ko-KR" altLang="en-US"/>
+              <a:t>거래 내역 리스트 조회</a:t>
+            </a:r>
+            <a:endParaRPr lang="en-US" altLang="ko-KR"/>
+          </a:p>
+          <a:p>
+            <a:pPr lvl="1"/>
+            <a:r>
+              <a:rPr lang="ko-KR" altLang="en-US"/>
+              <a:t>인수여부 </a:t>
+            </a:r>
+            <a:r>
+              <a:rPr lang="en-US" altLang="ko-KR"/>
+              <a:t>, </a:t>
+            </a:r>
+            <a:r>
+              <a:rPr lang="ko-KR" altLang="en-US"/>
+              <a:t>거래가격 등으로 거래내역 </a:t>
+            </a:r>
+            <a:r>
+              <a:rPr lang="en-US" altLang="ko-KR"/>
+              <a:t>sort </a:t>
+            </a:r>
+            <a:r>
+              <a:rPr lang="ko-KR" altLang="en-US"/>
+              <a:t>가능</a:t>
             </a:r>
             <a:endParaRPr lang="en-US" altLang="ko-KR" dirty="0"/>
           </a:p>
@@ -4071,16 +4500,23 @@
           <a:p>
             <a:pPr lvl="1"/>
             <a:r>
-              <a:rPr lang="ko-KR" altLang="en-US" dirty="0"/>
+              <a:rPr lang="ko-KR" altLang="en-US"/>
               <a:t>거래일시</a:t>
             </a:r>
+            <a:endParaRPr lang="en-US" altLang="ko-KR"/>
+          </a:p>
+          <a:p>
+            <a:pPr lvl="1"/>
+            <a:r>
+              <a:rPr lang="ko-KR" altLang="en-US"/>
+              <a:t>인수완료 여부</a:t>
+            </a:r>
             <a:endParaRPr lang="en-US" altLang="ko-KR" dirty="0"/>
           </a:p>
           <a:p>
-            <a:pPr lvl="1"/>
-            <a:r>
-              <a:rPr lang="ko-KR" altLang="en-US"/>
-              <a:t>거래자</a:t>
+            <a:r>
+              <a:rPr lang="ko-KR" altLang="en-US"/>
+              <a:t>거래 내역 상세 조회</a:t>
             </a:r>
             <a:endParaRPr lang="en-US" altLang="ko-KR"/>
           </a:p>
@@ -4088,8 +4524,12 @@
             <a:pPr lvl="1"/>
             <a:r>
               <a:rPr lang="ko-KR" altLang="en-US"/>
-              <a:t>거래장소</a:t>
-            </a:r>
+              <a:t>낙찰 영수증 표시</a:t>
+            </a:r>
+            <a:endParaRPr lang="en-US" altLang="ko-KR"/>
+          </a:p>
+          <a:p>
+            <a:pPr lvl="1"/>
             <a:endParaRPr lang="en-US" altLang="ko-KR" dirty="0"/>
           </a:p>
         </p:txBody>
@@ -4107,7 +4547,170 @@
 </p:sld>
 </file>
 
-<file path=ppt/slides/slide15.xml><?xml version="1.0" encoding="utf-8"?>
+<file path=ppt/slides/slide18.xml><?xml version="1.0" encoding="utf-8"?>
+<p:sld xmlns:a="http://schemas.openxmlformats.org/drawingml/2006/main" xmlns:r="http://schemas.openxmlformats.org/officeDocument/2006/relationships" xmlns:p="http://schemas.openxmlformats.org/presentationml/2006/main">
+  <p:cSld>
+    <p:spTree>
+      <p:nvGrpSpPr>
+        <p:cNvPr id="1" name=""/>
+        <p:cNvGrpSpPr/>
+        <p:nvPr/>
+      </p:nvGrpSpPr>
+      <p:grpSpPr>
+        <a:xfrm>
+          <a:off x="0" y="0"/>
+          <a:ext cx="0" cy="0"/>
+          <a:chOff x="0" y="0"/>
+          <a:chExt cx="0" cy="0"/>
+        </a:xfrm>
+      </p:grpSpPr>
+      <p:sp>
+        <p:nvSpPr>
+          <p:cNvPr id="2" name="제목 1">
+            <a:extLst>
+              <a:ext uri="{FF2B5EF4-FFF2-40B4-BE49-F238E27FC236}">
+                <a16:creationId xmlns:a16="http://schemas.microsoft.com/office/drawing/2014/main" id="{A2195557-2D0B-4A18-ADB1-8980A6B0448E}"/>
+              </a:ext>
+            </a:extLst>
+          </p:cNvPr>
+          <p:cNvSpPr>
+            <a:spLocks noGrp="1"/>
+          </p:cNvSpPr>
+          <p:nvPr>
+            <p:ph type="title"/>
+          </p:nvPr>
+        </p:nvSpPr>
+        <p:spPr/>
+        <p:txBody>
+          <a:bodyPr/>
+          <a:lstStyle/>
+          <a:p>
+            <a:r>
+              <a:rPr lang="ko-KR" altLang="en-US"/>
+              <a:t>마이페이지</a:t>
+            </a:r>
+            <a:endParaRPr lang="ko-KR" altLang="en-US" dirty="0"/>
+          </a:p>
+        </p:txBody>
+      </p:sp>
+      <p:sp>
+        <p:nvSpPr>
+          <p:cNvPr id="3" name="내용 개체 틀 2">
+            <a:extLst>
+              <a:ext uri="{FF2B5EF4-FFF2-40B4-BE49-F238E27FC236}">
+                <a16:creationId xmlns:a16="http://schemas.microsoft.com/office/drawing/2014/main" id="{57C6BCCA-354B-4FD1-90A9-AED5F6662810}"/>
+              </a:ext>
+            </a:extLst>
+          </p:cNvPr>
+          <p:cNvSpPr>
+            <a:spLocks noGrp="1"/>
+          </p:cNvSpPr>
+          <p:nvPr>
+            <p:ph idx="1"/>
+          </p:nvPr>
+        </p:nvSpPr>
+        <p:spPr>
+          <a:xfrm>
+            <a:off x="838200" y="1825625"/>
+            <a:ext cx="10515600" cy="4667250"/>
+          </a:xfrm>
+        </p:spPr>
+        <p:txBody>
+          <a:bodyPr/>
+          <a:lstStyle/>
+          <a:p>
+            <a:r>
+              <a:rPr lang="ko-KR" altLang="en-US"/>
+              <a:t>아나머니</a:t>
+            </a:r>
+            <a:endParaRPr lang="en-US" altLang="ko-KR"/>
+          </a:p>
+          <a:p>
+            <a:pPr lvl="1"/>
+            <a:r>
+              <a:rPr lang="ko-KR" altLang="en-US"/>
+              <a:t>출금계좌 등록</a:t>
+            </a:r>
+            <a:endParaRPr lang="en-US" altLang="ko-KR"/>
+          </a:p>
+          <a:p>
+            <a:pPr lvl="1"/>
+            <a:r>
+              <a:rPr lang="ko-KR" altLang="en-US"/>
+              <a:t>계좌번호 </a:t>
+            </a:r>
+            <a:r>
+              <a:rPr lang="en-US" altLang="ko-KR"/>
+              <a:t>, </a:t>
+            </a:r>
+            <a:r>
+              <a:rPr lang="ko-KR" altLang="en-US"/>
+              <a:t>은행</a:t>
+            </a:r>
+            <a:r>
+              <a:rPr lang="en-US" altLang="ko-KR"/>
+              <a:t> </a:t>
+            </a:r>
+            <a:r>
+              <a:rPr lang="ko-KR" altLang="en-US"/>
+              <a:t>등록</a:t>
+            </a:r>
+            <a:endParaRPr lang="en-US" altLang="ko-KR"/>
+          </a:p>
+          <a:p>
+            <a:pPr lvl="1"/>
+            <a:r>
+              <a:rPr lang="ko-KR" altLang="en-US"/>
+              <a:t>출금계좌 등록 완료 후</a:t>
+            </a:r>
+            <a:r>
+              <a:rPr lang="en-US" altLang="ko-KR"/>
+              <a:t> </a:t>
+            </a:r>
+          </a:p>
+          <a:p>
+            <a:pPr lvl="1"/>
+            <a:r>
+              <a:rPr lang="ko-KR" altLang="en-US"/>
+              <a:t>아나머니</a:t>
+            </a:r>
+            <a:r>
+              <a:rPr lang="en-US" altLang="ko-KR"/>
+              <a:t> </a:t>
+            </a:r>
+            <a:r>
+              <a:rPr lang="ko-KR" altLang="en-US"/>
+              <a:t>충전 </a:t>
+            </a:r>
+            <a:r>
+              <a:rPr lang="en-US" altLang="ko-KR"/>
+              <a:t>(</a:t>
+            </a:r>
+            <a:r>
+              <a:rPr lang="ko-KR" altLang="en-US"/>
+              <a:t>출금계좌에서 출금</a:t>
+            </a:r>
+            <a:r>
+              <a:rPr lang="en-US" altLang="ko-KR"/>
+              <a:t>)</a:t>
+            </a:r>
+          </a:p>
+        </p:txBody>
+      </p:sp>
+    </p:spTree>
+    <p:extLst>
+      <p:ext uri="{BB962C8B-B14F-4D97-AF65-F5344CB8AC3E}">
+        <p14:creationId xmlns:p14="http://schemas.microsoft.com/office/powerpoint/2010/main" val="2133785097"/>
+      </p:ext>
+    </p:extLst>
+  </p:cSld>
+  <p:clrMapOvr>
+    <a:masterClrMapping/>
+  </p:clrMapOvr>
+</p:sld>
+</file>
+
+<file path=ppt/slides/slide19.xml><?xml version="1.0" encoding="utf-8"?>
 <p:sld xmlns:a="http://schemas.openxmlformats.org/drawingml/2006/main" xmlns:r="http://schemas.openxmlformats.org/officeDocument/2006/relationships" xmlns:p="http://schemas.openxmlformats.org/presentationml/2006/main">
   <p:cSld>
     <p:spTree>
@@ -4364,8 +4967,8 @@
           <a:p>
             <a:pPr lvl="1"/>
             <a:r>
-              <a:rPr lang="ko-KR" altLang="en-US" dirty="0"/>
-              <a:t>이름 </a:t>
+              <a:rPr lang="ko-KR" altLang="en-US"/>
+              <a:t>닉네임  </a:t>
             </a:r>
             <a:r>
               <a:rPr lang="en-US" altLang="ko-KR" dirty="0"/>
@@ -4373,7 +4976,23 @@
             </a:r>
             <a:r>
               <a:rPr lang="ko-KR" altLang="en-US" dirty="0"/>
-              <a:t>자 이내의 문자</a:t>
+              <a:t>자 </a:t>
+            </a:r>
+            <a:r>
+              <a:rPr lang="ko-KR" altLang="en-US"/>
+              <a:t>이내의 문자</a:t>
+            </a:r>
+            <a:r>
+              <a:rPr lang="en-US" altLang="ko-KR"/>
+              <a:t> (</a:t>
+            </a:r>
+            <a:r>
+              <a:rPr lang="ko-KR" altLang="en-US"/>
+              <a:t>중복확인</a:t>
+            </a:r>
+            <a:r>
+              <a:rPr lang="en-US" altLang="ko-KR"/>
+              <a:t>)</a:t>
             </a:r>
             <a:endParaRPr lang="en-US" altLang="ko-KR" dirty="0"/>
           </a:p>
@@ -4384,37 +5003,22 @@
               <a:t>거래희망지 </a:t>
             </a:r>
             <a:r>
-              <a:rPr lang="en-US" altLang="ko-KR" dirty="0"/>
-              <a:t>: xxx</a:t>
-            </a:r>
-            <a:r>
-              <a:rPr lang="ko-KR" altLang="en-US" dirty="0"/>
-              <a:t>도 </a:t>
-            </a:r>
-            <a:r>
-              <a:rPr lang="en-US" altLang="ko-KR" dirty="0"/>
-              <a:t>xxx</a:t>
-            </a:r>
-            <a:r>
-              <a:rPr lang="ko-KR" altLang="en-US" dirty="0"/>
-              <a:t>시 </a:t>
-            </a:r>
-            <a:r>
-              <a:rPr lang="en-US" altLang="ko-KR" dirty="0"/>
-              <a:t>xxx</a:t>
-            </a:r>
-            <a:r>
-              <a:rPr lang="ko-KR" altLang="en-US" dirty="0"/>
-              <a:t>구 </a:t>
-            </a:r>
-            <a:r>
-              <a:rPr lang="en-US" altLang="ko-KR" dirty="0"/>
-              <a:t>xxx</a:t>
-            </a:r>
-            <a:r>
-              <a:rPr lang="ko-KR" altLang="en-US" dirty="0"/>
-              <a:t>동 형식으로 입력 받기</a:t>
-            </a:r>
+              <a:rPr lang="en-US" altLang="ko-KR"/>
+              <a:t>: </a:t>
+            </a:r>
+            <a:r>
+              <a:rPr lang="ko-KR" altLang="en-US"/>
+              <a:t>도로명 </a:t>
+            </a:r>
+            <a:r>
+              <a:rPr lang="en-US" altLang="ko-KR"/>
+              <a:t>API </a:t>
+            </a:r>
+            <a:r>
+              <a:rPr lang="ko-KR" altLang="en-US"/>
+              <a:t>사용하여 도로명과 상세주소 따로 저장</a:t>
+            </a:r>
+            <a:endParaRPr lang="ko-KR" altLang="en-US" dirty="0"/>
           </a:p>
         </p:txBody>
       </p:sp>
@@ -4644,20 +5248,16 @@
               <a:t>상품 이미지 </a:t>
             </a:r>
             <a:r>
-              <a:rPr lang="en-US" altLang="ko-KR" dirty="0"/>
+              <a:rPr lang="en-US" altLang="ko-KR"/>
               <a:t>: </a:t>
             </a:r>
             <a:r>
-              <a:rPr lang="en-US" altLang="ko-KR" dirty="0" err="1"/>
-              <a:t>png</a:t>
-            </a:r>
-            <a:r>
-              <a:rPr lang="en-US" altLang="ko-KR" dirty="0"/>
-              <a:t>, jpg </a:t>
-            </a:r>
-            <a:r>
-              <a:rPr lang="ko-KR" altLang="en-US" dirty="0"/>
-              <a:t>형식의 이미지 파일</a:t>
+              <a:rPr lang="ko-KR" altLang="en-US"/>
+              <a:t>이미지 </a:t>
+            </a:r>
+            <a:r>
+              <a:rPr lang="ko-KR" altLang="en-US" dirty="0"/>
+              <a:t>파일</a:t>
             </a:r>
             <a:endParaRPr lang="en-US" altLang="ko-KR" dirty="0"/>
           </a:p>
@@ -4873,56 +5473,55 @@
           <a:p>
             <a:r>
               <a:rPr lang="ko-KR" altLang="en-US" dirty="0"/>
-              <a:t>경매 상품 조회</a:t>
+              <a:t>경매 </a:t>
+            </a:r>
+            <a:r>
+              <a:rPr lang="ko-KR" altLang="en-US"/>
+              <a:t>상품 조회 리스트 조회</a:t>
             </a:r>
             <a:endParaRPr lang="en-US" altLang="ko-KR" dirty="0"/>
           </a:p>
           <a:p>
             <a:pPr lvl="1"/>
             <a:r>
-              <a:rPr lang="ko-KR" altLang="en-US" dirty="0"/>
-              <a:t>상품 조회 </a:t>
-            </a:r>
-            <a:r>
-              <a:rPr lang="en-US" altLang="ko-KR" dirty="0"/>
+              <a:rPr lang="ko-KR" altLang="en-US"/>
+              <a:t>상품 리스트 </a:t>
+            </a:r>
+            <a:r>
+              <a:rPr lang="ko-KR" altLang="en-US" dirty="0"/>
+              <a:t>조회 </a:t>
+            </a:r>
+            <a:r>
+              <a:rPr lang="en-US" altLang="ko-KR"/>
               <a:t>: </a:t>
             </a:r>
-            <a:r>
-              <a:rPr lang="ko-KR" altLang="en-US" dirty="0"/>
+          </a:p>
+          <a:p>
+            <a:pPr lvl="2"/>
+            <a:r>
+              <a:rPr lang="ko-KR" altLang="en-US"/>
               <a:t>상품 이미지</a:t>
             </a:r>
-            <a:r>
-              <a:rPr lang="en-US" altLang="ko-KR" dirty="0"/>
-              <a:t>, </a:t>
-            </a:r>
-            <a:r>
-              <a:rPr lang="ko-KR" altLang="en-US" dirty="0"/>
+            <a:endParaRPr lang="en-US" altLang="ko-KR"/>
+          </a:p>
+          <a:p>
+            <a:pPr lvl="2"/>
+            <a:r>
+              <a:rPr lang="ko-KR" altLang="en-US"/>
               <a:t>상품 명</a:t>
             </a:r>
             <a:r>
-              <a:rPr lang="en-US" altLang="ko-KR" dirty="0"/>
-              <a:t>, </a:t>
-            </a:r>
-            <a:r>
-              <a:rPr lang="ko-KR" altLang="en-US" dirty="0"/>
+              <a:rPr lang="en-US" altLang="ko-KR"/>
+              <a:t> </a:t>
+            </a:r>
+          </a:p>
+          <a:p>
+            <a:pPr lvl="2"/>
+            <a:r>
+              <a:rPr lang="ko-KR" altLang="en-US"/>
               <a:t>상품 가격</a:t>
             </a:r>
-            <a:r>
-              <a:rPr lang="en-US" altLang="ko-KR" dirty="0"/>
-              <a:t>, </a:t>
-            </a:r>
-            <a:r>
-              <a:rPr lang="ko-KR" altLang="en-US" dirty="0"/>
-              <a:t>등록자 프로필이 보여야함</a:t>
-            </a:r>
-            <a:r>
-              <a:rPr lang="en-US" altLang="ko-KR" dirty="0"/>
-              <a:t>.</a:t>
-            </a:r>
-          </a:p>
-          <a:p>
-            <a:pPr lvl="2"/>
-            <a:endParaRPr lang="ko-KR" altLang="en-US" dirty="0"/>
+            <a:endParaRPr lang="en-US" altLang="ko-KR"/>
           </a:p>
         </p:txBody>
       </p:sp>
@@ -4961,7 +5560,7 @@
           <p:cNvPr id="2" name="제목 1">
             <a:extLst>
               <a:ext uri="{FF2B5EF4-FFF2-40B4-BE49-F238E27FC236}">
-                <a16:creationId xmlns:a16="http://schemas.microsoft.com/office/drawing/2014/main" id="{A151B49E-97BE-4900-8B99-7636BBE8170F}"/>
+                <a16:creationId xmlns:a16="http://schemas.microsoft.com/office/drawing/2014/main" id="{502038E6-D45D-424B-B592-E301B2896949}"/>
               </a:ext>
             </a:extLst>
           </p:cNvPr>
@@ -4989,7 +5588,7 @@
           <p:cNvPr id="3" name="내용 개체 틀 2">
             <a:extLst>
               <a:ext uri="{FF2B5EF4-FFF2-40B4-BE49-F238E27FC236}">
-                <a16:creationId xmlns:a16="http://schemas.microsoft.com/office/drawing/2014/main" id="{B3326452-782C-4D8D-8F52-1646D164AC1D}"/>
+                <a16:creationId xmlns:a16="http://schemas.microsoft.com/office/drawing/2014/main" id="{6BBA658A-D0D5-4EF2-B74C-0E38DC38C0DE}"/>
               </a:ext>
             </a:extLst>
           </p:cNvPr>
@@ -5000,138 +5599,132 @@
             <p:ph idx="1"/>
           </p:nvPr>
         </p:nvSpPr>
-        <p:spPr>
-          <a:xfrm>
-            <a:off x="854242" y="1825625"/>
-            <a:ext cx="10515600" cy="4351338"/>
-          </a:xfrm>
-        </p:spPr>
-        <p:txBody>
-          <a:bodyPr/>
-          <a:lstStyle/>
-          <a:p>
-            <a:r>
-              <a:rPr lang="ko-KR" altLang="en-US" dirty="0"/>
-              <a:t>입찰</a:t>
-            </a:r>
-            <a:endParaRPr lang="en-US" altLang="ko-KR" dirty="0"/>
-          </a:p>
-          <a:p>
-            <a:pPr lvl="1"/>
-            <a:r>
-              <a:rPr lang="ko-KR" altLang="en-US" dirty="0" err="1"/>
-              <a:t>입찰가</a:t>
-            </a:r>
-            <a:r>
-              <a:rPr lang="ko-KR" altLang="en-US" dirty="0"/>
-              <a:t> </a:t>
-            </a:r>
-            <a:r>
-              <a:rPr lang="en-US" altLang="ko-KR" dirty="0"/>
-              <a:t>: 10</a:t>
-            </a:r>
-            <a:r>
-              <a:rPr lang="ko-KR" altLang="en-US" dirty="0"/>
-              <a:t>억 미만의 숫자</a:t>
-            </a:r>
-            <a:endParaRPr lang="en-US" altLang="ko-KR" dirty="0"/>
-          </a:p>
-          <a:p>
-            <a:pPr lvl="1"/>
-            <a:r>
-              <a:rPr lang="ko-KR" altLang="en-US" dirty="0"/>
-              <a:t>입찰자 정보</a:t>
-            </a:r>
-            <a:r>
-              <a:rPr lang="en-US" altLang="ko-KR" dirty="0"/>
-              <a:t> </a:t>
+        <p:spPr/>
+        <p:txBody>
+          <a:bodyPr/>
+          <a:lstStyle/>
+          <a:p>
+            <a:r>
+              <a:rPr lang="ko-KR" altLang="en-US" dirty="0"/>
+              <a:t>경매 </a:t>
+            </a:r>
+            <a:r>
+              <a:rPr lang="ko-KR" altLang="en-US"/>
+              <a:t>상품 상세 조회</a:t>
+            </a:r>
+            <a:endParaRPr lang="en-US" altLang="ko-KR"/>
+          </a:p>
+          <a:p>
+            <a:pPr lvl="1"/>
+            <a:r>
+              <a:rPr lang="ko-KR" altLang="en-US"/>
+              <a:t>상품 상세 조회 </a:t>
             </a:r>
             <a:r>
               <a:rPr lang="en-US" altLang="ko-KR"/>
               <a:t>: </a:t>
             </a:r>
-            <a:r>
-              <a:rPr lang="ko-KR" altLang="en-US"/>
-              <a:t>이름</a:t>
+          </a:p>
+          <a:p>
+            <a:pPr lvl="2"/>
+            <a:r>
+              <a:rPr lang="ko-KR" altLang="en-US"/>
+              <a:t>상품 이미지</a:t>
             </a:r>
             <a:endParaRPr lang="en-US" altLang="ko-KR"/>
           </a:p>
           <a:p>
+            <a:pPr lvl="2"/>
+            <a:r>
+              <a:rPr lang="ko-KR" altLang="en-US"/>
+              <a:t>상품 명</a:t>
+            </a:r>
             <a:r>
               <a:rPr lang="en-US" altLang="ko-KR"/>
               <a:t> </a:t>
             </a:r>
-            <a:r>
-              <a:rPr lang="ko-KR" altLang="en-US"/>
-              <a:t>낙찰</a:t>
+          </a:p>
+          <a:p>
+            <a:pPr lvl="2"/>
+            <a:r>
+              <a:rPr lang="ko-KR" altLang="en-US"/>
+              <a:t>상품 가격</a:t>
             </a:r>
             <a:endParaRPr lang="en-US" altLang="ko-KR"/>
           </a:p>
           <a:p>
-            <a:pPr lvl="1"/>
-            <a:r>
-              <a:rPr lang="ko-KR" altLang="en-US"/>
-              <a:t>상품 </a:t>
-            </a:r>
-            <a:r>
-              <a:rPr lang="ko-KR" altLang="en-US" dirty="0"/>
-              <a:t>등록자 </a:t>
+            <a:pPr lvl="2"/>
+            <a:r>
+              <a:rPr lang="ko-KR" altLang="en-US"/>
+              <a:t>상품 등록자 프로필 사진</a:t>
+            </a:r>
+            <a:endParaRPr lang="en-US" altLang="ko-KR"/>
+          </a:p>
+          <a:p>
+            <a:pPr lvl="2"/>
+            <a:r>
+              <a:rPr lang="ko-KR" altLang="en-US"/>
+              <a:t>상세 정보</a:t>
+            </a:r>
+            <a:endParaRPr lang="en-US" altLang="ko-KR"/>
+          </a:p>
+          <a:p>
+            <a:pPr lvl="2"/>
+            <a:r>
+              <a:rPr lang="ko-KR" altLang="en-US"/>
+              <a:t>사용기간</a:t>
+            </a:r>
+            <a:endParaRPr lang="en-US" altLang="ko-KR"/>
+          </a:p>
+          <a:p>
+            <a:pPr lvl="2"/>
+            <a:r>
+              <a:rPr lang="ko-KR" altLang="en-US"/>
+              <a:t>등록자 온도</a:t>
+            </a:r>
+            <a:endParaRPr lang="en-US" altLang="ko-KR"/>
+          </a:p>
+          <a:p>
+            <a:pPr lvl="2"/>
+            <a:r>
+              <a:rPr lang="ko-KR" altLang="en-US"/>
+              <a:t>등록자 닉네임</a:t>
+            </a:r>
+            <a:endParaRPr lang="en-US" altLang="ko-KR"/>
+          </a:p>
+          <a:p>
+            <a:pPr lvl="2"/>
+            <a:r>
+              <a:rPr lang="ko-KR" altLang="en-US"/>
+              <a:t>희망 거래지역</a:t>
+            </a:r>
+            <a:endParaRPr lang="en-US" altLang="ko-KR"/>
+          </a:p>
+          <a:p>
+            <a:pPr lvl="2"/>
+            <a:r>
+              <a:rPr lang="ko-KR" altLang="en-US"/>
+              <a:t>경매 결과 </a:t>
             </a:r>
             <a:r>
               <a:rPr lang="en-US" altLang="ko-KR"/>
-              <a:t>: 20</a:t>
-            </a:r>
-            <a:r>
-              <a:rPr lang="ko-KR" altLang="en-US"/>
-              <a:t>자 이내의 문자</a:t>
-            </a:r>
-            <a:endParaRPr lang="en-US" altLang="ko-KR"/>
-          </a:p>
-          <a:p>
-            <a:pPr lvl="1"/>
-            <a:r>
-              <a:rPr lang="ko-KR" altLang="en-US"/>
-              <a:t>입찰자 정보 </a:t>
+              <a:t>or </a:t>
+            </a:r>
+            <a:r>
+              <a:rPr lang="ko-KR" altLang="en-US"/>
+              <a:t>진행중</a:t>
             </a:r>
             <a:r>
               <a:rPr lang="en-US" altLang="ko-KR"/>
-              <a:t>: 20</a:t>
-            </a:r>
-            <a:r>
-              <a:rPr lang="ko-KR" altLang="en-US"/>
-              <a:t>자 이내의 문자</a:t>
-            </a:r>
-            <a:endParaRPr lang="en-US" altLang="ko-KR"/>
-          </a:p>
-          <a:p>
-            <a:pPr lvl="1"/>
-            <a:r>
-              <a:rPr lang="ko-KR" altLang="en-US"/>
-              <a:t>낙찰 확인 </a:t>
+              <a:t>(</a:t>
+            </a:r>
+            <a:r>
+              <a:rPr lang="ko-KR" altLang="en-US"/>
+              <a:t>남은시간</a:t>
             </a:r>
             <a:r>
               <a:rPr lang="en-US" altLang="ko-KR"/>
-              <a:t>: </a:t>
-            </a:r>
-            <a:r>
-              <a:rPr lang="ko-KR" altLang="en-US" dirty="0"/>
-              <a:t>상품 낙찰 여부 최종 확인</a:t>
-            </a:r>
-            <a:endParaRPr lang="en-US" altLang="ko-KR" dirty="0"/>
-          </a:p>
-          <a:p>
-            <a:pPr lvl="1"/>
-            <a:r>
-              <a:rPr lang="ko-KR" altLang="en-US"/>
-              <a:t>최종 낙찰가 </a:t>
-            </a:r>
-            <a:r>
-              <a:rPr lang="en-US" altLang="ko-KR" dirty="0"/>
-              <a:t>: 10</a:t>
-            </a:r>
-            <a:r>
-              <a:rPr lang="ko-KR" altLang="en-US" dirty="0"/>
-              <a:t>억 미만의 숫자</a:t>
+              <a:t>)</a:t>
             </a:r>
           </a:p>
         </p:txBody>
@@ -5139,7 +5732,7 @@
     </p:spTree>
     <p:extLst>
       <p:ext uri="{BB962C8B-B14F-4D97-AF65-F5344CB8AC3E}">
-        <p14:creationId xmlns:p14="http://schemas.microsoft.com/office/powerpoint/2010/main" val="610490764"/>
+        <p14:creationId xmlns:p14="http://schemas.microsoft.com/office/powerpoint/2010/main" val="3692562419"/>
       </p:ext>
     </p:extLst>
   </p:cSld>
@@ -5171,7 +5764,7 @@
           <p:cNvPr id="2" name="제목 1">
             <a:extLst>
               <a:ext uri="{FF2B5EF4-FFF2-40B4-BE49-F238E27FC236}">
-                <a16:creationId xmlns:a16="http://schemas.microsoft.com/office/drawing/2014/main" id="{B4CA7BFC-A8D6-4B9C-91CA-4EE58A60DBF2}"/>
+                <a16:creationId xmlns:a16="http://schemas.microsoft.com/office/drawing/2014/main" id="{A151B49E-97BE-4900-8B99-7636BBE8170F}"/>
               </a:ext>
             </a:extLst>
           </p:cNvPr>
@@ -5189,7 +5782,7 @@
           <a:p>
             <a:r>
               <a:rPr lang="ko-KR" altLang="en-US" dirty="0"/>
-              <a:t>검색</a:t>
+              <a:t>경매</a:t>
             </a:r>
           </a:p>
         </p:txBody>
@@ -5199,7 +5792,7 @@
           <p:cNvPr id="3" name="내용 개체 틀 2">
             <a:extLst>
               <a:ext uri="{FF2B5EF4-FFF2-40B4-BE49-F238E27FC236}">
-                <a16:creationId xmlns:a16="http://schemas.microsoft.com/office/drawing/2014/main" id="{D34E3BBA-1A4E-455A-9409-6658392B0C0F}"/>
+                <a16:creationId xmlns:a16="http://schemas.microsoft.com/office/drawing/2014/main" id="{B3326452-782C-4D8D-8F52-1646D164AC1D}"/>
               </a:ext>
             </a:extLst>
           </p:cNvPr>
@@ -5210,95 +5803,131 @@
             <p:ph idx="1"/>
           </p:nvPr>
         </p:nvSpPr>
-        <p:spPr/>
-        <p:txBody>
-          <a:bodyPr/>
-          <a:lstStyle/>
-          <a:p>
-            <a:r>
-              <a:rPr lang="ko-KR" altLang="en-US" dirty="0"/>
-              <a:t>상품 검색</a:t>
+        <p:spPr>
+          <a:xfrm>
+            <a:off x="854242" y="1825625"/>
+            <a:ext cx="10515600" cy="4351338"/>
+          </a:xfrm>
+        </p:spPr>
+        <p:txBody>
+          <a:bodyPr/>
+          <a:lstStyle/>
+          <a:p>
+            <a:r>
+              <a:rPr lang="ko-KR" altLang="en-US"/>
+              <a:t>입찰자</a:t>
             </a:r>
             <a:endParaRPr lang="en-US" altLang="ko-KR" dirty="0"/>
           </a:p>
           <a:p>
             <a:pPr lvl="1"/>
             <a:r>
-              <a:rPr lang="ko-KR" altLang="en-US" dirty="0"/>
-              <a:t>상품 이름 검색 </a:t>
-            </a:r>
-            <a:r>
-              <a:rPr lang="en-US" altLang="ko-KR" dirty="0"/>
-              <a:t>: 1</a:t>
-            </a:r>
-            <a:r>
-              <a:rPr lang="ko-KR" altLang="en-US" dirty="0"/>
-              <a:t>자 이상의 문자</a:t>
-            </a:r>
-            <a:endParaRPr lang="en-US" altLang="ko-KR" dirty="0"/>
-          </a:p>
-          <a:p>
-            <a:pPr lvl="1"/>
-            <a:r>
-              <a:rPr lang="ko-KR" altLang="en-US" dirty="0"/>
-              <a:t>카테고리 별 검색 </a:t>
-            </a:r>
-            <a:r>
-              <a:rPr lang="en-US" altLang="ko-KR" dirty="0"/>
+              <a:rPr lang="ko-KR" altLang="en-US"/>
+              <a:t>입찰가 </a:t>
+            </a:r>
+            <a:r>
+              <a:rPr lang="en-US" altLang="ko-KR"/>
               <a:t>: </a:t>
             </a:r>
             <a:r>
-              <a:rPr lang="ko-KR" altLang="en-US" dirty="0"/>
-              <a:t>의류</a:t>
-            </a:r>
-            <a:r>
-              <a:rPr lang="en-US" altLang="ko-KR" dirty="0"/>
+              <a:rPr lang="ko-KR" altLang="en-US"/>
+              <a:t>금액 입력 시 현재 아나머니 출금</a:t>
+            </a:r>
+            <a:r>
+              <a:rPr lang="en-US" altLang="ko-KR"/>
+              <a:t>(</a:t>
+            </a:r>
+            <a:r>
+              <a:rPr lang="ko-KR" altLang="en-US"/>
+              <a:t>낙찰 실패 시 환급</a:t>
+            </a:r>
+            <a:r>
+              <a:rPr lang="en-US" altLang="ko-KR"/>
+              <a:t>)</a:t>
+            </a:r>
+            <a:r>
+              <a:rPr lang="ko-KR" altLang="en-US"/>
+              <a:t>되며 입찰가는 이전 입찰가보다 낮을 수 없다</a:t>
+            </a:r>
+            <a:r>
+              <a:rPr lang="en-US" altLang="ko-KR"/>
+              <a:t>.</a:t>
+            </a:r>
+          </a:p>
+          <a:p>
+            <a:pPr lvl="1"/>
+            <a:r>
+              <a:rPr lang="ko-KR" altLang="en-US"/>
+              <a:t>입찰자 정보</a:t>
+            </a:r>
+            <a:r>
+              <a:rPr lang="en-US" altLang="ko-KR"/>
+              <a:t> : </a:t>
+            </a:r>
+            <a:r>
+              <a:rPr lang="ko-KR" altLang="en-US"/>
+              <a:t>이름</a:t>
+            </a:r>
+            <a:r>
+              <a:rPr lang="en-US" altLang="ko-KR"/>
               <a:t>,</a:t>
             </a:r>
             <a:r>
-              <a:rPr lang="ko-KR" altLang="en-US" dirty="0"/>
-              <a:t>뷰티</a:t>
-            </a:r>
-            <a:r>
-              <a:rPr lang="en-US" altLang="ko-KR" dirty="0"/>
-              <a:t>,</a:t>
-            </a:r>
-            <a:r>
-              <a:rPr lang="ko-KR" altLang="en-US" dirty="0"/>
-              <a:t>도서</a:t>
-            </a:r>
-            <a:r>
-              <a:rPr lang="en-US" altLang="ko-KR" dirty="0"/>
-              <a:t>,</a:t>
-            </a:r>
-            <a:r>
-              <a:rPr lang="ko-KR" altLang="en-US" dirty="0"/>
-              <a:t>전자제품</a:t>
-            </a:r>
-            <a:r>
-              <a:rPr lang="en-US" altLang="ko-KR" dirty="0"/>
-              <a:t>,</a:t>
-            </a:r>
-            <a:r>
-              <a:rPr lang="ko-KR" altLang="en-US" dirty="0"/>
-              <a:t>주방용품</a:t>
-            </a:r>
-            <a:r>
-              <a:rPr lang="en-US" altLang="ko-KR" dirty="0"/>
-              <a:t>,</a:t>
-            </a:r>
-            <a:r>
-              <a:rPr lang="ko-KR" altLang="en-US" dirty="0"/>
-              <a:t>문구</a:t>
-            </a:r>
-            <a:endParaRPr lang="en-US" altLang="ko-KR" dirty="0"/>
+              <a:rPr lang="ko-KR" altLang="en-US"/>
+              <a:t>금액</a:t>
+            </a:r>
+            <a:endParaRPr lang="en-US" altLang="ko-KR"/>
+          </a:p>
+          <a:p>
+            <a:pPr lvl="1"/>
+            <a:r>
+              <a:rPr lang="ko-KR" altLang="en-US"/>
+              <a:t>입찰 시 해당 거래자의 신고내역 있을 시 불가능</a:t>
+            </a:r>
+            <a:endParaRPr lang="en-US" altLang="ko-KR"/>
+          </a:p>
+          <a:p>
+            <a:pPr lvl="1"/>
+            <a:r>
+              <a:rPr lang="ko-KR" altLang="en-US"/>
+              <a:t>마지막 입찰인 으로부터 타이머 </a:t>
+            </a:r>
+            <a:r>
+              <a:rPr lang="en-US" altLang="ko-KR"/>
+              <a:t>10</a:t>
+            </a:r>
+            <a:r>
+              <a:rPr lang="ko-KR" altLang="en-US"/>
+              <a:t>분 초기화</a:t>
+            </a:r>
+            <a:endParaRPr lang="en-US" altLang="ko-KR"/>
+          </a:p>
+          <a:p>
+            <a:pPr lvl="1"/>
+            <a:r>
+              <a:rPr lang="en-US" altLang="ko-KR"/>
+              <a:t>10</a:t>
+            </a:r>
+            <a:r>
+              <a:rPr lang="ko-KR" altLang="en-US"/>
+              <a:t>분동안 없을 시 낙찰</a:t>
+            </a:r>
+            <a:endParaRPr lang="en-US" altLang="ko-KR"/>
+          </a:p>
+          <a:p>
+            <a:pPr lvl="1"/>
+            <a:r>
+              <a:rPr lang="ko-KR" altLang="en-US"/>
+              <a:t>낙찰</a:t>
+            </a:r>
+            <a:endParaRPr lang="en-US" altLang="ko-KR"/>
           </a:p>
         </p:txBody>
       </p:sp>
     </p:spTree>
     <p:extLst>
       <p:ext uri="{BB962C8B-B14F-4D97-AF65-F5344CB8AC3E}">
-        <p14:creationId xmlns:p14="http://schemas.microsoft.com/office/powerpoint/2010/main" val="3985931750"/>
+        <p14:creationId xmlns:p14="http://schemas.microsoft.com/office/powerpoint/2010/main" val="610490764"/>
       </p:ext>
     </p:extLst>
   </p:cSld>
@@ -5330,7 +5959,7 @@
           <p:cNvPr id="2" name="제목 1">
             <a:extLst>
               <a:ext uri="{FF2B5EF4-FFF2-40B4-BE49-F238E27FC236}">
-                <a16:creationId xmlns:a16="http://schemas.microsoft.com/office/drawing/2014/main" id="{651E3965-2625-4E25-BB98-9A55F7D2D44A}"/>
+                <a16:creationId xmlns:a16="http://schemas.microsoft.com/office/drawing/2014/main" id="{1C6E8806-9565-1570-6998-FF028ED4FD68}"/>
               </a:ext>
             </a:extLst>
           </p:cNvPr>
@@ -5347,8 +5976,8 @@
           <a:lstStyle/>
           <a:p>
             <a:r>
-              <a:rPr lang="ko-KR" altLang="en-US" dirty="0"/>
-              <a:t>평가</a:t>
+              <a:rPr lang="ko-KR" altLang="en-US"/>
+              <a:t>경매</a:t>
             </a:r>
           </a:p>
         </p:txBody>
@@ -5358,7 +5987,7 @@
           <p:cNvPr id="3" name="내용 개체 틀 2">
             <a:extLst>
               <a:ext uri="{FF2B5EF4-FFF2-40B4-BE49-F238E27FC236}">
-                <a16:creationId xmlns:a16="http://schemas.microsoft.com/office/drawing/2014/main" id="{9E642205-1687-40B1-A587-49A4FC59323C}"/>
+                <a16:creationId xmlns:a16="http://schemas.microsoft.com/office/drawing/2014/main" id="{9D0C900D-782D-668A-7E98-E95EF099B7A9}"/>
               </a:ext>
             </a:extLst>
           </p:cNvPr>
@@ -5375,48 +6004,109 @@
           <a:lstStyle/>
           <a:p>
             <a:r>
-              <a:rPr lang="ko-KR" altLang="en-US" dirty="0"/>
-              <a:t>평가 작성</a:t>
-            </a:r>
-            <a:endParaRPr lang="en-US" altLang="ko-KR" dirty="0"/>
-          </a:p>
-          <a:p>
-            <a:pPr lvl="1"/>
-            <a:r>
-              <a:rPr lang="ko-KR" altLang="en-US" dirty="0"/>
-              <a:t>글 작성 </a:t>
-            </a:r>
-            <a:r>
-              <a:rPr lang="en-US" altLang="ko-KR" dirty="0"/>
-              <a:t>: 200</a:t>
-            </a:r>
-            <a:r>
-              <a:rPr lang="ko-KR" altLang="en-US" dirty="0"/>
-              <a:t>자 이내의 문자</a:t>
-            </a:r>
-            <a:endParaRPr lang="en-US" altLang="ko-KR" dirty="0"/>
-          </a:p>
-          <a:p>
-            <a:pPr lvl="1"/>
-            <a:r>
-              <a:rPr lang="ko-KR" altLang="en-US" dirty="0"/>
-              <a:t>평점 </a:t>
-            </a:r>
-            <a:r>
-              <a:rPr lang="en-US" altLang="ko-KR" dirty="0"/>
-              <a:t>: 5</a:t>
-            </a:r>
-            <a:r>
-              <a:rPr lang="ko-KR" altLang="en-US" dirty="0"/>
-              <a:t>점 만점</a:t>
-            </a:r>
+              <a:rPr lang="en-US" altLang="ko-KR"/>
+              <a:t> </a:t>
+            </a:r>
+            <a:r>
+              <a:rPr lang="ko-KR" altLang="en-US"/>
+              <a:t>낙찰</a:t>
+            </a:r>
+            <a:endParaRPr lang="en-US" altLang="ko-KR"/>
+          </a:p>
+          <a:p>
+            <a:pPr marL="0" indent="0">
+              <a:buNone/>
+            </a:pPr>
+            <a:r>
+              <a:rPr lang="ko-KR" altLang="en-US"/>
+              <a:t>낙찰자와 판매자에게 낙찰 영수증이 보내진다</a:t>
+            </a:r>
+            <a:r>
+              <a:rPr lang="en-US" altLang="ko-KR"/>
+              <a:t>.</a:t>
+            </a:r>
+          </a:p>
+          <a:p>
+            <a:pPr lvl="1"/>
+            <a:r>
+              <a:rPr lang="ko-KR" altLang="en-US"/>
+              <a:t>상품 등록자 </a:t>
+            </a:r>
+            <a:r>
+              <a:rPr lang="en-US" altLang="ko-KR"/>
+              <a:t>: </a:t>
+            </a:r>
+            <a:r>
+              <a:rPr lang="ko-KR" altLang="en-US"/>
+              <a:t>상품 등록 회원의 닉네임</a:t>
+            </a:r>
+            <a:endParaRPr lang="en-US" altLang="ko-KR"/>
+          </a:p>
+          <a:p>
+            <a:pPr lvl="1"/>
+            <a:r>
+              <a:rPr lang="ko-KR" altLang="en-US"/>
+              <a:t>입찰자 정보 </a:t>
+            </a:r>
+            <a:r>
+              <a:rPr lang="en-US" altLang="ko-KR"/>
+              <a:t>: </a:t>
+            </a:r>
+            <a:r>
+              <a:rPr lang="ko-KR" altLang="en-US"/>
+              <a:t>회원의 이름</a:t>
+            </a:r>
+            <a:endParaRPr lang="en-US" altLang="ko-KR"/>
+          </a:p>
+          <a:p>
+            <a:pPr lvl="1"/>
+            <a:r>
+              <a:rPr lang="ko-KR" altLang="en-US"/>
+              <a:t>인수여부 </a:t>
+            </a:r>
+            <a:r>
+              <a:rPr lang="en-US" altLang="ko-KR"/>
+              <a:t>: </a:t>
+            </a:r>
+            <a:r>
+              <a:rPr lang="ko-KR" altLang="en-US"/>
+              <a:t>상품 인계 완료 시 낙찰자가 완료클릭</a:t>
+            </a:r>
+            <a:r>
+              <a:rPr lang="en-US" altLang="ko-KR"/>
+              <a:t>(</a:t>
+            </a:r>
+            <a:r>
+              <a:rPr lang="ko-KR" altLang="en-US"/>
+              <a:t>해당 판매자에게 아나머니 입금</a:t>
+            </a:r>
+            <a:r>
+              <a:rPr lang="en-US" altLang="ko-KR"/>
+              <a:t>)</a:t>
+            </a:r>
+          </a:p>
+          <a:p>
+            <a:pPr lvl="1"/>
+            <a:r>
+              <a:rPr lang="ko-KR" altLang="en-US"/>
+              <a:t>최종 낙찰가 </a:t>
+            </a:r>
+            <a:r>
+              <a:rPr lang="en-US" altLang="ko-KR"/>
+              <a:t>: </a:t>
+            </a:r>
+            <a:r>
+              <a:rPr lang="ko-KR" altLang="en-US"/>
+              <a:t>마지막 입찰 금액</a:t>
+            </a:r>
+            <a:endParaRPr lang="en-US" altLang="ko-KR"/>
           </a:p>
         </p:txBody>
       </p:sp>
     </p:spTree>
     <p:extLst>
       <p:ext uri="{BB962C8B-B14F-4D97-AF65-F5344CB8AC3E}">
-        <p14:creationId xmlns:p14="http://schemas.microsoft.com/office/powerpoint/2010/main" val="3496314973"/>
+        <p14:creationId xmlns:p14="http://schemas.microsoft.com/office/powerpoint/2010/main" val="3367210273"/>
       </p:ext>
     </p:extLst>
   </p:cSld>

--- a/ppt/요구사항 명세서.pptx
+++ b/ppt/요구사항 명세서.pptx
@@ -3616,9 +3616,10 @@
           <a:lstStyle/>
           <a:p>
             <a:r>
-              <a:rPr lang="ko-KR" altLang="en-US" dirty="0"/>
-              <a:t>평가</a:t>
-            </a:r>
+              <a:rPr lang="ko-KR" altLang="en-US"/>
+              <a:t>온도 평가</a:t>
+            </a:r>
+            <a:endParaRPr lang="ko-KR" altLang="en-US" dirty="0"/>
           </a:p>
         </p:txBody>
       </p:sp>
@@ -3645,7 +3646,7 @@
           <a:p>
             <a:r>
               <a:rPr lang="ko-KR" altLang="en-US"/>
-              <a:t>평가 작성</a:t>
+              <a:t>온도</a:t>
             </a:r>
             <a:r>
               <a:rPr lang="en-US" altLang="ko-KR"/>
@@ -3653,44 +3654,29 @@
             </a:r>
             <a:r>
               <a:rPr lang="ko-KR" altLang="en-US"/>
-              <a:t>댓글만 가능</a:t>
+              <a:t>낙찰 영수증 발급 후 인수완료 시 상대의 온도와 후기를 적을 수 있음</a:t>
             </a:r>
             <a:r>
               <a:rPr lang="en-US" altLang="ko-KR"/>
               <a:t>)</a:t>
             </a:r>
+          </a:p>
+          <a:p>
+            <a:pPr lvl="1"/>
+            <a:r>
+              <a:rPr lang="ko-KR" altLang="en-US"/>
+              <a:t>기본 온도 </a:t>
+            </a:r>
+            <a:r>
+              <a:rPr lang="en-US" altLang="ko-KR"/>
+              <a:t>: 37.2</a:t>
+            </a:r>
+          </a:p>
+          <a:p>
+            <a:pPr marL="0" indent="0">
+              <a:buNone/>
+            </a:pPr>
             <a:endParaRPr lang="en-US" altLang="ko-KR" dirty="0"/>
-          </a:p>
-          <a:p>
-            <a:pPr lvl="1"/>
-            <a:r>
-              <a:rPr lang="ko-KR" altLang="en-US" dirty="0"/>
-              <a:t>글 작성 </a:t>
-            </a:r>
-            <a:r>
-              <a:rPr lang="en-US" altLang="ko-KR" dirty="0"/>
-              <a:t>: 200</a:t>
-            </a:r>
-            <a:r>
-              <a:rPr lang="ko-KR" altLang="en-US" dirty="0"/>
-              <a:t>자 이내의 문자</a:t>
-            </a:r>
-            <a:endParaRPr lang="en-US" altLang="ko-KR" dirty="0"/>
-          </a:p>
-          <a:p>
-            <a:pPr lvl="1"/>
-            <a:r>
-              <a:rPr lang="ko-KR" altLang="en-US" dirty="0"/>
-              <a:t>평점 </a:t>
-            </a:r>
-            <a:r>
-              <a:rPr lang="en-US" altLang="ko-KR" dirty="0"/>
-              <a:t>: 5</a:t>
-            </a:r>
-            <a:r>
-              <a:rPr lang="ko-KR" altLang="en-US" dirty="0"/>
-              <a:t>점 만점</a:t>
-            </a:r>
           </a:p>
         </p:txBody>
       </p:sp>
@@ -5273,8 +5259,109 @@
             </a:r>
             <a:r>
               <a:rPr lang="ko-KR" altLang="en-US" dirty="0"/>
-              <a:t>등록을 할 것인지 재확인</a:t>
-            </a:r>
+              <a:t>등록을 할 </a:t>
+            </a:r>
+            <a:r>
+              <a:rPr lang="ko-KR" altLang="en-US"/>
+              <a:t>것인지 재확인</a:t>
+            </a:r>
+            <a:endParaRPr lang="en-US" altLang="ko-KR"/>
+          </a:p>
+          <a:p>
+            <a:pPr lvl="1"/>
+            <a:r>
+              <a:rPr lang="ko-KR" altLang="en-US"/>
+              <a:t>상품 등록 시 첫 입찰자가 나온 </a:t>
+            </a:r>
+            <a:r>
+              <a:rPr lang="en-US" altLang="ko-KR"/>
+              <a:t>10</a:t>
+            </a:r>
+            <a:r>
+              <a:rPr lang="ko-KR" altLang="en-US"/>
+              <a:t>분 후 까지 다른 입찰자가 없을 시 마감</a:t>
+            </a:r>
+            <a:endParaRPr lang="en-US" altLang="ko-KR"/>
+          </a:p>
+          <a:p>
+            <a:pPr lvl="1"/>
+            <a:r>
+              <a:rPr lang="ko-KR" altLang="en-US"/>
+              <a:t>사용기간 </a:t>
+            </a:r>
+            <a:r>
+              <a:rPr lang="en-US" altLang="ko-KR"/>
+              <a:t>: </a:t>
+            </a:r>
+            <a:r>
+              <a:rPr lang="ko-KR" altLang="en-US"/>
+              <a:t>미개봉</a:t>
+            </a:r>
+            <a:r>
+              <a:rPr lang="en-US" altLang="ko-KR"/>
+              <a:t>,0~1</a:t>
+            </a:r>
+            <a:r>
+              <a:rPr lang="ko-KR" altLang="en-US"/>
+              <a:t>개월</a:t>
+            </a:r>
+            <a:r>
+              <a:rPr lang="en-US" altLang="ko-KR"/>
+              <a:t>, 2~4</a:t>
+            </a:r>
+            <a:r>
+              <a:rPr lang="ko-KR" altLang="en-US"/>
+              <a:t>개월</a:t>
+            </a:r>
+            <a:r>
+              <a:rPr lang="en-US" altLang="ko-KR"/>
+              <a:t>, 5</a:t>
+            </a:r>
+            <a:r>
+              <a:rPr lang="ko-KR" altLang="en-US"/>
+              <a:t>개월 이상</a:t>
+            </a:r>
+            <a:endParaRPr lang="en-US" altLang="ko-KR"/>
+          </a:p>
+          <a:p>
+            <a:pPr lvl="1"/>
+            <a:r>
+              <a:rPr lang="ko-KR" altLang="en-US"/>
+              <a:t>카테고리 </a:t>
+            </a:r>
+            <a:r>
+              <a:rPr lang="en-US" altLang="ko-KR"/>
+              <a:t>: </a:t>
+            </a:r>
+            <a:r>
+              <a:rPr lang="ko-KR" altLang="en-US"/>
+              <a:t>육아</a:t>
+            </a:r>
+            <a:r>
+              <a:rPr lang="en-US" altLang="ko-KR"/>
+              <a:t>,</a:t>
+            </a:r>
+            <a:r>
+              <a:rPr lang="ko-KR" altLang="en-US"/>
+              <a:t>전자기기</a:t>
+            </a:r>
+            <a:r>
+              <a:rPr lang="en-US" altLang="ko-KR"/>
+              <a:t>,</a:t>
+            </a:r>
+            <a:r>
+              <a:rPr lang="ko-KR" altLang="en-US"/>
+              <a:t>캠핑</a:t>
+            </a:r>
+            <a:r>
+              <a:rPr lang="en-US" altLang="ko-KR"/>
+              <a:t>, </a:t>
+            </a:r>
+            <a:r>
+              <a:rPr lang="ko-KR" altLang="en-US"/>
+              <a:t>애완 등</a:t>
+            </a:r>
+            <a:endParaRPr lang="ko-KR" altLang="en-US" dirty="0"/>
           </a:p>
         </p:txBody>
       </p:sp>

--- a/ppt/요구사항 명세서.pptx
+++ b/ppt/요구사항 명세서.pptx
@@ -15,15 +15,12 @@
     <p:sldId id="262" r:id="rId9"/>
     <p:sldId id="274" r:id="rId10"/>
     <p:sldId id="263" r:id="rId11"/>
-    <p:sldId id="264" r:id="rId12"/>
-    <p:sldId id="265" r:id="rId13"/>
-    <p:sldId id="266" r:id="rId14"/>
-    <p:sldId id="277" r:id="rId15"/>
-    <p:sldId id="267" r:id="rId16"/>
-    <p:sldId id="268" r:id="rId17"/>
-    <p:sldId id="269" r:id="rId18"/>
-    <p:sldId id="276" r:id="rId19"/>
-    <p:sldId id="272" r:id="rId20"/>
+    <p:sldId id="277" r:id="rId12"/>
+    <p:sldId id="267" r:id="rId13"/>
+    <p:sldId id="268" r:id="rId14"/>
+    <p:sldId id="269" r:id="rId15"/>
+    <p:sldId id="276" r:id="rId16"/>
+    <p:sldId id="272" r:id="rId17"/>
   </p:sldIdLst>
   <p:sldSz cx="12192000" cy="6858000"/>
   <p:notesSz cx="6858000" cy="9144000"/>
@@ -277,7 +274,7 @@
           <a:p>
             <a:fld id="{75D02359-F51A-436E-83F7-7AB13B7DF49E}" type="datetimeFigureOut">
               <a:rPr lang="ko-KR" altLang="en-US" smtClean="0"/>
-              <a:t>2023-04-03</a:t>
+              <a:t>2023-05-10</a:t>
             </a:fld>
             <a:endParaRPr lang="ko-KR" altLang="en-US"/>
           </a:p>
@@ -475,7 +472,7 @@
           <a:p>
             <a:fld id="{75D02359-F51A-436E-83F7-7AB13B7DF49E}" type="datetimeFigureOut">
               <a:rPr lang="ko-KR" altLang="en-US" smtClean="0"/>
-              <a:t>2023-04-03</a:t>
+              <a:t>2023-05-10</a:t>
             </a:fld>
             <a:endParaRPr lang="ko-KR" altLang="en-US"/>
           </a:p>
@@ -683,7 +680,7 @@
           <a:p>
             <a:fld id="{75D02359-F51A-436E-83F7-7AB13B7DF49E}" type="datetimeFigureOut">
               <a:rPr lang="ko-KR" altLang="en-US" smtClean="0"/>
-              <a:t>2023-04-03</a:t>
+              <a:t>2023-05-10</a:t>
             </a:fld>
             <a:endParaRPr lang="ko-KR" altLang="en-US"/>
           </a:p>
@@ -881,7 +878,7 @@
           <a:p>
             <a:fld id="{75D02359-F51A-436E-83F7-7AB13B7DF49E}" type="datetimeFigureOut">
               <a:rPr lang="ko-KR" altLang="en-US" smtClean="0"/>
-              <a:t>2023-04-03</a:t>
+              <a:t>2023-05-10</a:t>
             </a:fld>
             <a:endParaRPr lang="ko-KR" altLang="en-US"/>
           </a:p>
@@ -1156,7 +1153,7 @@
           <a:p>
             <a:fld id="{75D02359-F51A-436E-83F7-7AB13B7DF49E}" type="datetimeFigureOut">
               <a:rPr lang="ko-KR" altLang="en-US" smtClean="0"/>
-              <a:t>2023-04-03</a:t>
+              <a:t>2023-05-10</a:t>
             </a:fld>
             <a:endParaRPr lang="ko-KR" altLang="en-US"/>
           </a:p>
@@ -1421,7 +1418,7 @@
           <a:p>
             <a:fld id="{75D02359-F51A-436E-83F7-7AB13B7DF49E}" type="datetimeFigureOut">
               <a:rPr lang="ko-KR" altLang="en-US" smtClean="0"/>
-              <a:t>2023-04-03</a:t>
+              <a:t>2023-05-10</a:t>
             </a:fld>
             <a:endParaRPr lang="ko-KR" altLang="en-US"/>
           </a:p>
@@ -1833,7 +1830,7 @@
           <a:p>
             <a:fld id="{75D02359-F51A-436E-83F7-7AB13B7DF49E}" type="datetimeFigureOut">
               <a:rPr lang="ko-KR" altLang="en-US" smtClean="0"/>
-              <a:t>2023-04-03</a:t>
+              <a:t>2023-05-10</a:t>
             </a:fld>
             <a:endParaRPr lang="ko-KR" altLang="en-US"/>
           </a:p>
@@ -1974,7 +1971,7 @@
           <a:p>
             <a:fld id="{75D02359-F51A-436E-83F7-7AB13B7DF49E}" type="datetimeFigureOut">
               <a:rPr lang="ko-KR" altLang="en-US" smtClean="0"/>
-              <a:t>2023-04-03</a:t>
+              <a:t>2023-05-10</a:t>
             </a:fld>
             <a:endParaRPr lang="ko-KR" altLang="en-US"/>
           </a:p>
@@ -2087,7 +2084,7 @@
           <a:p>
             <a:fld id="{75D02359-F51A-436E-83F7-7AB13B7DF49E}" type="datetimeFigureOut">
               <a:rPr lang="ko-KR" altLang="en-US" smtClean="0"/>
-              <a:t>2023-04-03</a:t>
+              <a:t>2023-05-10</a:t>
             </a:fld>
             <a:endParaRPr lang="ko-KR" altLang="en-US"/>
           </a:p>
@@ -2398,7 +2395,7 @@
           <a:p>
             <a:fld id="{75D02359-F51A-436E-83F7-7AB13B7DF49E}" type="datetimeFigureOut">
               <a:rPr lang="ko-KR" altLang="en-US" smtClean="0"/>
-              <a:t>2023-04-03</a:t>
+              <a:t>2023-05-10</a:t>
             </a:fld>
             <a:endParaRPr lang="ko-KR" altLang="en-US"/>
           </a:p>
@@ -2686,7 +2683,7 @@
           <a:p>
             <a:fld id="{75D02359-F51A-436E-83F7-7AB13B7DF49E}" type="datetimeFigureOut">
               <a:rPr lang="ko-KR" altLang="en-US" smtClean="0"/>
-              <a:t>2023-04-03</a:t>
+              <a:t>2023-05-10</a:t>
             </a:fld>
             <a:endParaRPr lang="ko-KR" altLang="en-US"/>
           </a:p>
@@ -2927,7 +2924,7 @@
           <a:p>
             <a:fld id="{75D02359-F51A-436E-83F7-7AB13B7DF49E}" type="datetimeFigureOut">
               <a:rPr lang="ko-KR" altLang="en-US" smtClean="0"/>
-              <a:t>2023-04-03</a:t>
+              <a:t>2023-05-10</a:t>
             </a:fld>
             <a:endParaRPr lang="ko-KR" altLang="en-US"/>
           </a:p>
@@ -3599,7 +3596,7 @@
           <p:cNvPr id="2" name="제목 1">
             <a:extLst>
               <a:ext uri="{FF2B5EF4-FFF2-40B4-BE49-F238E27FC236}">
-                <a16:creationId xmlns:a16="http://schemas.microsoft.com/office/drawing/2014/main" id="{651E3965-2625-4E25-BB98-9A55F7D2D44A}"/>
+                <a16:creationId xmlns:a16="http://schemas.microsoft.com/office/drawing/2014/main" id="{C37FB200-AC4A-488A-8E12-56F8A2888BBD}"/>
               </a:ext>
             </a:extLst>
           </p:cNvPr>
@@ -3616,74 +3613,90 @@
           <a:lstStyle/>
           <a:p>
             <a:r>
-              <a:rPr lang="ko-KR" altLang="en-US"/>
-              <a:t>온도 평가</a:t>
-            </a:r>
+              <a:rPr lang="ko-KR" altLang="en-US" dirty="0"/>
+              <a:t>마이페이지</a:t>
+            </a:r>
+          </a:p>
+        </p:txBody>
+      </p:sp>
+      <p:sp>
+        <p:nvSpPr>
+          <p:cNvPr id="3" name="내용 개체 틀 2">
+            <a:extLst>
+              <a:ext uri="{FF2B5EF4-FFF2-40B4-BE49-F238E27FC236}">
+                <a16:creationId xmlns:a16="http://schemas.microsoft.com/office/drawing/2014/main" id="{1E9BE2C9-F797-4AE1-95FE-0B38654A3F78}"/>
+              </a:ext>
+            </a:extLst>
+          </p:cNvPr>
+          <p:cNvSpPr>
+            <a:spLocks noGrp="1"/>
+          </p:cNvSpPr>
+          <p:nvPr>
+            <p:ph idx="1"/>
+          </p:nvPr>
+        </p:nvSpPr>
+        <p:spPr/>
+        <p:txBody>
+          <a:bodyPr/>
+          <a:lstStyle/>
+          <a:p>
+            <a:pPr lvl="1"/>
+            <a:r>
+              <a:rPr lang="ko-KR" altLang="en-US"/>
+              <a:t>회원정보 수정</a:t>
+            </a:r>
+            <a:endParaRPr lang="en-US" altLang="ko-KR"/>
+          </a:p>
+          <a:p>
+            <a:pPr lvl="1"/>
+            <a:r>
+              <a:rPr lang="ko-KR" altLang="en-US"/>
+              <a:t>찜 목록</a:t>
+            </a:r>
+            <a:endParaRPr lang="en-US" altLang="ko-KR"/>
+          </a:p>
+          <a:p>
+            <a:pPr lvl="1"/>
+            <a:r>
+              <a:rPr lang="ko-KR" altLang="en-US"/>
+              <a:t>거래내역</a:t>
+            </a:r>
+            <a:endParaRPr lang="en-US" altLang="ko-KR"/>
+          </a:p>
+          <a:p>
+            <a:pPr lvl="1"/>
+            <a:r>
+              <a:rPr lang="ko-KR" altLang="en-US"/>
+              <a:t>아나머니</a:t>
+            </a:r>
+            <a:endParaRPr lang="en-US" altLang="ko-KR"/>
+          </a:p>
+          <a:p>
+            <a:pPr lvl="1"/>
+            <a:r>
+              <a:rPr lang="ko-KR" altLang="en-US"/>
+              <a:t>내가 등록한 상품</a:t>
+            </a:r>
+            <a:endParaRPr lang="en-US" altLang="ko-KR"/>
+          </a:p>
+          <a:p>
+            <a:pPr lvl="1"/>
+            <a:r>
+              <a:rPr lang="ko-KR" altLang="en-US"/>
+              <a:t>현재 입찰중인 물건</a:t>
+            </a:r>
+            <a:endParaRPr lang="en-US" altLang="ko-KR" dirty="0"/>
+          </a:p>
+          <a:p>
+            <a:pPr lvl="1"/>
             <a:endParaRPr lang="ko-KR" altLang="en-US" dirty="0"/>
-          </a:p>
-        </p:txBody>
-      </p:sp>
-      <p:sp>
-        <p:nvSpPr>
-          <p:cNvPr id="3" name="내용 개체 틀 2">
-            <a:extLst>
-              <a:ext uri="{FF2B5EF4-FFF2-40B4-BE49-F238E27FC236}">
-                <a16:creationId xmlns:a16="http://schemas.microsoft.com/office/drawing/2014/main" id="{9E642205-1687-40B1-A587-49A4FC59323C}"/>
-              </a:ext>
-            </a:extLst>
-          </p:cNvPr>
-          <p:cNvSpPr>
-            <a:spLocks noGrp="1"/>
-          </p:cNvSpPr>
-          <p:nvPr>
-            <p:ph idx="1"/>
-          </p:nvPr>
-        </p:nvSpPr>
-        <p:spPr/>
-        <p:txBody>
-          <a:bodyPr/>
-          <a:lstStyle/>
-          <a:p>
-            <a:r>
-              <a:rPr lang="ko-KR" altLang="en-US"/>
-              <a:t>온도</a:t>
-            </a:r>
-            <a:r>
-              <a:rPr lang="en-US" altLang="ko-KR"/>
-              <a:t>(</a:t>
-            </a:r>
-            <a:r>
-              <a:rPr lang="ko-KR" altLang="en-US"/>
-              <a:t>낙찰 영수증 발급 후 인수완료 시 상대의 온도와 후기를 적을 수 있음</a:t>
-            </a:r>
-            <a:r>
-              <a:rPr lang="en-US" altLang="ko-KR"/>
-              <a:t>)</a:t>
-            </a:r>
-          </a:p>
-          <a:p>
-            <a:pPr lvl="1"/>
-            <a:r>
-              <a:rPr lang="ko-KR" altLang="en-US"/>
-              <a:t>기본 온도 </a:t>
-            </a:r>
-            <a:r>
-              <a:rPr lang="en-US" altLang="ko-KR"/>
-              <a:t>: 37.2</a:t>
-            </a:r>
-          </a:p>
-          <a:p>
-            <a:pPr marL="0" indent="0">
-              <a:buNone/>
-            </a:pPr>
-            <a:endParaRPr lang="en-US" altLang="ko-KR" dirty="0"/>
           </a:p>
         </p:txBody>
       </p:sp>
     </p:spTree>
     <p:extLst>
       <p:ext uri="{BB962C8B-B14F-4D97-AF65-F5344CB8AC3E}">
-        <p14:creationId xmlns:p14="http://schemas.microsoft.com/office/powerpoint/2010/main" val="3496314973"/>
+        <p14:creationId xmlns:p14="http://schemas.microsoft.com/office/powerpoint/2010/main" val="3098797393"/>
       </p:ext>
     </p:extLst>
   </p:cSld>
@@ -3715,7 +3728,7 @@
           <p:cNvPr id="2" name="제목 1">
             <a:extLst>
               <a:ext uri="{FF2B5EF4-FFF2-40B4-BE49-F238E27FC236}">
-                <a16:creationId xmlns:a16="http://schemas.microsoft.com/office/drawing/2014/main" id="{853C0A32-3E07-4A5D-ACD7-E9FE8101E68F}"/>
+                <a16:creationId xmlns:a16="http://schemas.microsoft.com/office/drawing/2014/main" id="{C37FB200-AC4A-488A-8E12-56F8A2888BBD}"/>
               </a:ext>
             </a:extLst>
           </p:cNvPr>
@@ -3733,7 +3746,7 @@
           <a:p>
             <a:r>
               <a:rPr lang="ko-KR" altLang="en-US" dirty="0"/>
-              <a:t>평가</a:t>
+              <a:t>마이페이지</a:t>
             </a:r>
           </a:p>
         </p:txBody>
@@ -3743,7 +3756,7 @@
           <p:cNvPr id="3" name="내용 개체 틀 2">
             <a:extLst>
               <a:ext uri="{FF2B5EF4-FFF2-40B4-BE49-F238E27FC236}">
-                <a16:creationId xmlns:a16="http://schemas.microsoft.com/office/drawing/2014/main" id="{98AB280C-8015-4F3C-B3B4-0A6A3267E210}"/>
+                <a16:creationId xmlns:a16="http://schemas.microsoft.com/office/drawing/2014/main" id="{1E9BE2C9-F797-4AE1-95FE-0B38654A3F78}"/>
               </a:ext>
             </a:extLst>
           </p:cNvPr>
@@ -3761,15 +3774,84 @@
           <a:p>
             <a:r>
               <a:rPr lang="ko-KR" altLang="en-US" dirty="0"/>
-              <a:t>평가 수정</a:t>
+              <a:t>회원정보 수정</a:t>
             </a:r>
             <a:endParaRPr lang="en-US" altLang="ko-KR" dirty="0"/>
           </a:p>
           <a:p>
             <a:pPr lvl="1"/>
             <a:r>
-              <a:rPr lang="ko-KR" altLang="en-US" dirty="0"/>
-              <a:t>수정 </a:t>
+              <a:rPr lang="en-US" altLang="ko-KR"/>
+              <a:t>Pw : </a:t>
+            </a:r>
+            <a:r>
+              <a:rPr lang="ko-KR" altLang="en-US"/>
+              <a:t>구성은 영 소문자</a:t>
+            </a:r>
+            <a:r>
+              <a:rPr lang="en-US" altLang="ko-KR"/>
+              <a:t>,</a:t>
+            </a:r>
+            <a:r>
+              <a:rPr lang="ko-KR" altLang="en-US"/>
+              <a:t>특수문자를 포함해야함</a:t>
+            </a:r>
+            <a:endParaRPr lang="en-US" altLang="ko-KR"/>
+          </a:p>
+          <a:p>
+            <a:pPr lvl="1"/>
+            <a:r>
+              <a:rPr lang="ko-KR" altLang="en-US"/>
+              <a:t>전화번호 </a:t>
+            </a:r>
+            <a:r>
+              <a:rPr lang="en-US" altLang="ko-KR"/>
+              <a:t>: 010-xxxx-xxxx</a:t>
+            </a:r>
+          </a:p>
+          <a:p>
+            <a:pPr lvl="1"/>
+            <a:r>
+              <a:rPr lang="ko-KR" altLang="en-US"/>
+              <a:t>생년월일 </a:t>
+            </a:r>
+            <a:r>
+              <a:rPr lang="en-US" altLang="ko-KR"/>
+              <a:t>: yyyy-mm-dd</a:t>
+            </a:r>
+          </a:p>
+          <a:p>
+            <a:pPr lvl="1"/>
+            <a:r>
+              <a:rPr lang="ko-KR" altLang="en-US"/>
+              <a:t>닉네임  </a:t>
+            </a:r>
+            <a:r>
+              <a:rPr lang="en-US" altLang="ko-KR"/>
+              <a:t>: 20</a:t>
+            </a:r>
+            <a:r>
+              <a:rPr lang="ko-KR" altLang="en-US"/>
+              <a:t>자 이내의 문자</a:t>
+            </a:r>
+            <a:r>
+              <a:rPr lang="en-US" altLang="ko-KR"/>
+              <a:t>(</a:t>
+            </a:r>
+            <a:r>
+              <a:rPr lang="ko-KR" altLang="en-US"/>
+              <a:t>중복확인</a:t>
+            </a:r>
+            <a:r>
+              <a:rPr lang="en-US" altLang="ko-KR"/>
+              <a:t>)</a:t>
+            </a:r>
+          </a:p>
+          <a:p>
+            <a:pPr lvl="1"/>
+            <a:r>
+              <a:rPr lang="ko-KR" altLang="en-US"/>
+              <a:t>거래희망지 </a:t>
             </a:r>
             <a:r>
               <a:rPr lang="en-US" altLang="ko-KR"/>
@@ -3777,8 +3859,24 @@
             </a:r>
             <a:r>
               <a:rPr lang="ko-KR" altLang="en-US"/>
-              <a:t>로그인 된 사용자는 자신의 댓글 수정 가능</a:t>
-            </a:r>
+              <a:t>도로명 </a:t>
+            </a:r>
+            <a:r>
+              <a:rPr lang="en-US" altLang="ko-KR"/>
+              <a:t>API </a:t>
+            </a:r>
+            <a:r>
+              <a:rPr lang="ko-KR" altLang="en-US"/>
+              <a:t>사용하여 도로명과 상세주소 따로 저장</a:t>
+            </a:r>
+            <a:endParaRPr lang="en-US" altLang="ko-KR" dirty="0"/>
+          </a:p>
+          <a:p>
+            <a:pPr lvl="1"/>
+            <a:endParaRPr lang="en-US" altLang="ko-KR" dirty="0"/>
+          </a:p>
+          <a:p>
+            <a:pPr lvl="1"/>
             <a:endParaRPr lang="ko-KR" altLang="en-US" dirty="0"/>
           </a:p>
         </p:txBody>
@@ -3786,7 +3884,7 @@
     </p:spTree>
     <p:extLst>
       <p:ext uri="{BB962C8B-B14F-4D97-AF65-F5344CB8AC3E}">
-        <p14:creationId xmlns:p14="http://schemas.microsoft.com/office/powerpoint/2010/main" val="2925286574"/>
+        <p14:creationId xmlns:p14="http://schemas.microsoft.com/office/powerpoint/2010/main" val="426198811"/>
       </p:ext>
     </p:extLst>
   </p:cSld>
@@ -3818,7 +3916,7 @@
           <p:cNvPr id="2" name="제목 1">
             <a:extLst>
               <a:ext uri="{FF2B5EF4-FFF2-40B4-BE49-F238E27FC236}">
-                <a16:creationId xmlns:a16="http://schemas.microsoft.com/office/drawing/2014/main" id="{A3D945AD-99F3-4962-94CC-F29BF5B323F5}"/>
+                <a16:creationId xmlns:a16="http://schemas.microsoft.com/office/drawing/2014/main" id="{6CE761DC-F887-45AD-B188-22AA3C6CE40F}"/>
               </a:ext>
             </a:extLst>
           </p:cNvPr>
@@ -3836,7 +3934,7 @@
           <a:p>
             <a:r>
               <a:rPr lang="ko-KR" altLang="en-US" dirty="0"/>
-              <a:t>평가</a:t>
+              <a:t>마이페이지</a:t>
             </a:r>
           </a:p>
         </p:txBody>
@@ -3846,7 +3944,7 @@
           <p:cNvPr id="3" name="내용 개체 틀 2">
             <a:extLst>
               <a:ext uri="{FF2B5EF4-FFF2-40B4-BE49-F238E27FC236}">
-                <a16:creationId xmlns:a16="http://schemas.microsoft.com/office/drawing/2014/main" id="{CD638D4C-9C62-4197-BF3D-9DE5041CB677}"/>
+                <a16:creationId xmlns:a16="http://schemas.microsoft.com/office/drawing/2014/main" id="{D6993A95-E86F-4CCD-858A-4B37861CCFAF}"/>
               </a:ext>
             </a:extLst>
           </p:cNvPr>
@@ -3864,7 +3962,7 @@
           <a:p>
             <a:r>
               <a:rPr lang="ko-KR" altLang="en-US" dirty="0"/>
-              <a:t>평가 삭제</a:t>
+              <a:t>찜 목록 조회</a:t>
             </a:r>
             <a:endParaRPr lang="en-US" altLang="ko-KR" dirty="0"/>
           </a:p>
@@ -3872,16 +3970,60 @@
             <a:pPr lvl="1"/>
             <a:r>
               <a:rPr lang="ko-KR" altLang="en-US" dirty="0"/>
-              <a:t>삭제 </a:t>
-            </a:r>
-            <a:r>
-              <a:rPr lang="en-US" altLang="ko-KR"/>
-              <a:t>: </a:t>
-            </a:r>
-            <a:r>
-              <a:rPr lang="ko-KR" altLang="en-US"/>
-              <a:t>로그인 된 사용자는 자신의 댓글 삭제 가능</a:t>
-            </a:r>
+              <a:t>찜 상품 이미지</a:t>
+            </a:r>
+            <a:endParaRPr lang="en-US" altLang="ko-KR" dirty="0"/>
+          </a:p>
+          <a:p>
+            <a:pPr lvl="1"/>
+            <a:r>
+              <a:rPr lang="ko-KR" altLang="en-US" dirty="0"/>
+              <a:t>찜 상품 </a:t>
+            </a:r>
+            <a:r>
+              <a:rPr lang="ko-KR" altLang="en-US"/>
+              <a:t>현재 낙찰여부</a:t>
+            </a:r>
+            <a:endParaRPr lang="en-US" altLang="ko-KR"/>
+          </a:p>
+          <a:p>
+            <a:pPr lvl="1"/>
+            <a:r>
+              <a:rPr lang="ko-KR" altLang="en-US"/>
+              <a:t>낙찰 완료 시 낙찰금액</a:t>
+            </a:r>
+            <a:endParaRPr lang="en-US" altLang="ko-KR"/>
+          </a:p>
+          <a:p>
+            <a:pPr lvl="1"/>
+            <a:r>
+              <a:rPr lang="ko-KR" altLang="en-US"/>
+              <a:t>낙찰 비 완료 시 현재 입찰 금액</a:t>
+            </a:r>
+            <a:endParaRPr lang="en-US" altLang="ko-KR" dirty="0"/>
+          </a:p>
+          <a:p>
+            <a:pPr lvl="1"/>
+            <a:r>
+              <a:rPr lang="ko-KR" altLang="en-US" dirty="0"/>
+              <a:t>찜 </a:t>
+            </a:r>
+            <a:r>
+              <a:rPr lang="ko-KR" altLang="en-US"/>
+              <a:t>상품 이름</a:t>
+            </a:r>
+            <a:endParaRPr lang="en-US" altLang="ko-KR"/>
+          </a:p>
+          <a:p>
+            <a:pPr lvl="1"/>
+            <a:r>
+              <a:rPr lang="ko-KR" altLang="en-US"/>
+              <a:t>클릭 시 상품 상세화면 이동</a:t>
+            </a:r>
+            <a:endParaRPr lang="en-US" altLang="ko-KR" dirty="0"/>
+          </a:p>
+          <a:p>
+            <a:pPr lvl="1"/>
             <a:endParaRPr lang="ko-KR" altLang="en-US" dirty="0"/>
           </a:p>
         </p:txBody>
@@ -3889,7 +4031,7 @@
     </p:spTree>
     <p:extLst>
       <p:ext uri="{BB962C8B-B14F-4D97-AF65-F5344CB8AC3E}">
-        <p14:creationId xmlns:p14="http://schemas.microsoft.com/office/powerpoint/2010/main" val="1378845297"/>
+        <p14:creationId xmlns:p14="http://schemas.microsoft.com/office/powerpoint/2010/main" val="4032169319"/>
       </p:ext>
     </p:extLst>
   </p:cSld>
@@ -3921,7 +4063,7 @@
           <p:cNvPr id="2" name="제목 1">
             <a:extLst>
               <a:ext uri="{FF2B5EF4-FFF2-40B4-BE49-F238E27FC236}">
-                <a16:creationId xmlns:a16="http://schemas.microsoft.com/office/drawing/2014/main" id="{C37FB200-AC4A-488A-8E12-56F8A2888BBD}"/>
+                <a16:creationId xmlns:a16="http://schemas.microsoft.com/office/drawing/2014/main" id="{A2195557-2D0B-4A18-ADB1-8980A6B0448E}"/>
               </a:ext>
             </a:extLst>
           </p:cNvPr>
@@ -3949,7 +4091,7 @@
           <p:cNvPr id="3" name="내용 개체 틀 2">
             <a:extLst>
               <a:ext uri="{FF2B5EF4-FFF2-40B4-BE49-F238E27FC236}">
-                <a16:creationId xmlns:a16="http://schemas.microsoft.com/office/drawing/2014/main" id="{1E9BE2C9-F797-4AE1-95FE-0B38654A3F78}"/>
+                <a16:creationId xmlns:a16="http://schemas.microsoft.com/office/drawing/2014/main" id="{57C6BCCA-354B-4FD1-90A9-AED5F6662810}"/>
               </a:ext>
             </a:extLst>
           </p:cNvPr>
@@ -3960,15 +4102,19 @@
             <p:ph idx="1"/>
           </p:nvPr>
         </p:nvSpPr>
-        <p:spPr/>
-        <p:txBody>
-          <a:bodyPr/>
-          <a:lstStyle/>
-          <a:p>
-            <a:pPr lvl="1"/>
-            <a:r>
-              <a:rPr lang="ko-KR" altLang="en-US"/>
-              <a:t>회원정보 수정</a:t>
+        <p:spPr>
+          <a:xfrm>
+            <a:off x="838200" y="1825625"/>
+            <a:ext cx="10515600" cy="4667250"/>
+          </a:xfrm>
+        </p:spPr>
+        <p:txBody>
+          <a:bodyPr/>
+          <a:lstStyle/>
+          <a:p>
+            <a:r>
+              <a:rPr lang="ko-KR" altLang="en-US"/>
+              <a:t>거래 내역 리스트 조회</a:t>
             </a:r>
             <a:endParaRPr lang="en-US" altLang="ko-KR"/>
           </a:p>
@@ -3976,7 +4122,47 @@
             <a:pPr lvl="1"/>
             <a:r>
               <a:rPr lang="ko-KR" altLang="en-US"/>
-              <a:t>찜 목록</a:t>
+              <a:t>인수여부 </a:t>
+            </a:r>
+            <a:r>
+              <a:rPr lang="en-US" altLang="ko-KR"/>
+              <a:t>, </a:t>
+            </a:r>
+            <a:r>
+              <a:rPr lang="ko-KR" altLang="en-US"/>
+              <a:t>거래가격 등으로 거래내역 </a:t>
+            </a:r>
+            <a:r>
+              <a:rPr lang="en-US" altLang="ko-KR"/>
+              <a:t>sort </a:t>
+            </a:r>
+            <a:r>
+              <a:rPr lang="ko-KR" altLang="en-US"/>
+              <a:t>가능</a:t>
+            </a:r>
+            <a:endParaRPr lang="en-US" altLang="ko-KR" dirty="0"/>
+          </a:p>
+          <a:p>
+            <a:pPr lvl="1"/>
+            <a:r>
+              <a:rPr lang="ko-KR" altLang="en-US" dirty="0"/>
+              <a:t>상품명</a:t>
+            </a:r>
+            <a:endParaRPr lang="en-US" altLang="ko-KR" dirty="0"/>
+          </a:p>
+          <a:p>
+            <a:pPr lvl="1"/>
+            <a:r>
+              <a:rPr lang="ko-KR" altLang="en-US" dirty="0"/>
+              <a:t>거래가격</a:t>
+            </a:r>
+            <a:endParaRPr lang="en-US" altLang="ko-KR" dirty="0"/>
+          </a:p>
+          <a:p>
+            <a:pPr lvl="1"/>
+            <a:r>
+              <a:rPr lang="ko-KR" altLang="en-US"/>
+              <a:t>거래일시</a:t>
             </a:r>
             <a:endParaRPr lang="en-US" altLang="ko-KR"/>
           </a:p>
@@ -3984,7 +4170,14 @@
             <a:pPr lvl="1"/>
             <a:r>
               <a:rPr lang="ko-KR" altLang="en-US"/>
-              <a:t>거래내역</a:t>
+              <a:t>인수완료 여부</a:t>
+            </a:r>
+            <a:endParaRPr lang="en-US" altLang="ko-KR" dirty="0"/>
+          </a:p>
+          <a:p>
+            <a:r>
+              <a:rPr lang="ko-KR" altLang="en-US"/>
+              <a:t>거래 내역 상세 조회</a:t>
             </a:r>
             <a:endParaRPr lang="en-US" altLang="ko-KR"/>
           </a:p>
@@ -3992,36 +4185,20 @@
             <a:pPr lvl="1"/>
             <a:r>
               <a:rPr lang="ko-KR" altLang="en-US"/>
-              <a:t>아나머니</a:t>
+              <a:t>낙찰 영수증 표시</a:t>
             </a:r>
             <a:endParaRPr lang="en-US" altLang="ko-KR"/>
           </a:p>
           <a:p>
             <a:pPr lvl="1"/>
-            <a:r>
-              <a:rPr lang="ko-KR" altLang="en-US"/>
-              <a:t>내가 등록한 상품</a:t>
-            </a:r>
-            <a:endParaRPr lang="en-US" altLang="ko-KR"/>
-          </a:p>
-          <a:p>
-            <a:pPr lvl="1"/>
-            <a:r>
-              <a:rPr lang="ko-KR" altLang="en-US"/>
-              <a:t>현재 입찰중인 물건</a:t>
-            </a:r>
             <a:endParaRPr lang="en-US" altLang="ko-KR" dirty="0"/>
-          </a:p>
-          <a:p>
-            <a:pPr lvl="1"/>
-            <a:endParaRPr lang="ko-KR" altLang="en-US" dirty="0"/>
           </a:p>
         </p:txBody>
       </p:sp>
     </p:spTree>
     <p:extLst>
       <p:ext uri="{BB962C8B-B14F-4D97-AF65-F5344CB8AC3E}">
-        <p14:creationId xmlns:p14="http://schemas.microsoft.com/office/powerpoint/2010/main" val="3098797393"/>
+        <p14:creationId xmlns:p14="http://schemas.microsoft.com/office/powerpoint/2010/main" val="899163208"/>
       </p:ext>
     </p:extLst>
   </p:cSld>
@@ -4053,508 +4230,6 @@
           <p:cNvPr id="2" name="제목 1">
             <a:extLst>
               <a:ext uri="{FF2B5EF4-FFF2-40B4-BE49-F238E27FC236}">
-                <a16:creationId xmlns:a16="http://schemas.microsoft.com/office/drawing/2014/main" id="{C37FB200-AC4A-488A-8E12-56F8A2888BBD}"/>
-              </a:ext>
-            </a:extLst>
-          </p:cNvPr>
-          <p:cNvSpPr>
-            <a:spLocks noGrp="1"/>
-          </p:cNvSpPr>
-          <p:nvPr>
-            <p:ph type="title"/>
-          </p:nvPr>
-        </p:nvSpPr>
-        <p:spPr/>
-        <p:txBody>
-          <a:bodyPr/>
-          <a:lstStyle/>
-          <a:p>
-            <a:r>
-              <a:rPr lang="ko-KR" altLang="en-US" dirty="0"/>
-              <a:t>마이페이지</a:t>
-            </a:r>
-          </a:p>
-        </p:txBody>
-      </p:sp>
-      <p:sp>
-        <p:nvSpPr>
-          <p:cNvPr id="3" name="내용 개체 틀 2">
-            <a:extLst>
-              <a:ext uri="{FF2B5EF4-FFF2-40B4-BE49-F238E27FC236}">
-                <a16:creationId xmlns:a16="http://schemas.microsoft.com/office/drawing/2014/main" id="{1E9BE2C9-F797-4AE1-95FE-0B38654A3F78}"/>
-              </a:ext>
-            </a:extLst>
-          </p:cNvPr>
-          <p:cNvSpPr>
-            <a:spLocks noGrp="1"/>
-          </p:cNvSpPr>
-          <p:nvPr>
-            <p:ph idx="1"/>
-          </p:nvPr>
-        </p:nvSpPr>
-        <p:spPr/>
-        <p:txBody>
-          <a:bodyPr/>
-          <a:lstStyle/>
-          <a:p>
-            <a:r>
-              <a:rPr lang="ko-KR" altLang="en-US" dirty="0"/>
-              <a:t>회원정보 수정</a:t>
-            </a:r>
-            <a:endParaRPr lang="en-US" altLang="ko-KR" dirty="0"/>
-          </a:p>
-          <a:p>
-            <a:pPr lvl="1"/>
-            <a:r>
-              <a:rPr lang="en-US" altLang="ko-KR"/>
-              <a:t>Pw : </a:t>
-            </a:r>
-            <a:r>
-              <a:rPr lang="ko-KR" altLang="en-US"/>
-              <a:t>구성은 영 소문자</a:t>
-            </a:r>
-            <a:r>
-              <a:rPr lang="en-US" altLang="ko-KR"/>
-              <a:t>,</a:t>
-            </a:r>
-            <a:r>
-              <a:rPr lang="ko-KR" altLang="en-US"/>
-              <a:t>특수문자를 포함해야함</a:t>
-            </a:r>
-            <a:endParaRPr lang="en-US" altLang="ko-KR"/>
-          </a:p>
-          <a:p>
-            <a:pPr lvl="1"/>
-            <a:r>
-              <a:rPr lang="ko-KR" altLang="en-US"/>
-              <a:t>전화번호 </a:t>
-            </a:r>
-            <a:r>
-              <a:rPr lang="en-US" altLang="ko-KR"/>
-              <a:t>: 010-xxxx-xxxx</a:t>
-            </a:r>
-          </a:p>
-          <a:p>
-            <a:pPr lvl="1"/>
-            <a:r>
-              <a:rPr lang="ko-KR" altLang="en-US"/>
-              <a:t>생년월일 </a:t>
-            </a:r>
-            <a:r>
-              <a:rPr lang="en-US" altLang="ko-KR"/>
-              <a:t>: yyyy-mm-dd</a:t>
-            </a:r>
-          </a:p>
-          <a:p>
-            <a:pPr lvl="1"/>
-            <a:r>
-              <a:rPr lang="ko-KR" altLang="en-US"/>
-              <a:t>닉네임  </a:t>
-            </a:r>
-            <a:r>
-              <a:rPr lang="en-US" altLang="ko-KR"/>
-              <a:t>: 20</a:t>
-            </a:r>
-            <a:r>
-              <a:rPr lang="ko-KR" altLang="en-US"/>
-              <a:t>자 이내의 문자</a:t>
-            </a:r>
-            <a:r>
-              <a:rPr lang="en-US" altLang="ko-KR"/>
-              <a:t>(</a:t>
-            </a:r>
-            <a:r>
-              <a:rPr lang="ko-KR" altLang="en-US"/>
-              <a:t>중복확인</a:t>
-            </a:r>
-            <a:r>
-              <a:rPr lang="en-US" altLang="ko-KR"/>
-              <a:t>)</a:t>
-            </a:r>
-          </a:p>
-          <a:p>
-            <a:pPr lvl="1"/>
-            <a:r>
-              <a:rPr lang="ko-KR" altLang="en-US"/>
-              <a:t>거래희망지 </a:t>
-            </a:r>
-            <a:r>
-              <a:rPr lang="en-US" altLang="ko-KR"/>
-              <a:t>: </a:t>
-            </a:r>
-            <a:r>
-              <a:rPr lang="ko-KR" altLang="en-US"/>
-              <a:t>도로명 </a:t>
-            </a:r>
-            <a:r>
-              <a:rPr lang="en-US" altLang="ko-KR"/>
-              <a:t>API </a:t>
-            </a:r>
-            <a:r>
-              <a:rPr lang="ko-KR" altLang="en-US"/>
-              <a:t>사용하여 도로명과 상세주소 따로 저장</a:t>
-            </a:r>
-            <a:endParaRPr lang="en-US" altLang="ko-KR" dirty="0"/>
-          </a:p>
-          <a:p>
-            <a:pPr lvl="1"/>
-            <a:endParaRPr lang="en-US" altLang="ko-KR" dirty="0"/>
-          </a:p>
-          <a:p>
-            <a:pPr lvl="1"/>
-            <a:endParaRPr lang="ko-KR" altLang="en-US" dirty="0"/>
-          </a:p>
-        </p:txBody>
-      </p:sp>
-    </p:spTree>
-    <p:extLst>
-      <p:ext uri="{BB962C8B-B14F-4D97-AF65-F5344CB8AC3E}">
-        <p14:creationId xmlns:p14="http://schemas.microsoft.com/office/powerpoint/2010/main" val="426198811"/>
-      </p:ext>
-    </p:extLst>
-  </p:cSld>
-  <p:clrMapOvr>
-    <a:masterClrMapping/>
-  </p:clrMapOvr>
-</p:sld>
-</file>
-
-<file path=ppt/slides/slide16.xml><?xml version="1.0" encoding="utf-8"?>
-<p:sld xmlns:a="http://schemas.openxmlformats.org/drawingml/2006/main" xmlns:r="http://schemas.openxmlformats.org/officeDocument/2006/relationships" xmlns:p="http://schemas.openxmlformats.org/presentationml/2006/main">
-  <p:cSld>
-    <p:spTree>
-      <p:nvGrpSpPr>
-        <p:cNvPr id="1" name=""/>
-        <p:cNvGrpSpPr/>
-        <p:nvPr/>
-      </p:nvGrpSpPr>
-      <p:grpSpPr>
-        <a:xfrm>
-          <a:off x="0" y="0"/>
-          <a:ext cx="0" cy="0"/>
-          <a:chOff x="0" y="0"/>
-          <a:chExt cx="0" cy="0"/>
-        </a:xfrm>
-      </p:grpSpPr>
-      <p:sp>
-        <p:nvSpPr>
-          <p:cNvPr id="2" name="제목 1">
-            <a:extLst>
-              <a:ext uri="{FF2B5EF4-FFF2-40B4-BE49-F238E27FC236}">
-                <a16:creationId xmlns:a16="http://schemas.microsoft.com/office/drawing/2014/main" id="{6CE761DC-F887-45AD-B188-22AA3C6CE40F}"/>
-              </a:ext>
-            </a:extLst>
-          </p:cNvPr>
-          <p:cNvSpPr>
-            <a:spLocks noGrp="1"/>
-          </p:cNvSpPr>
-          <p:nvPr>
-            <p:ph type="title"/>
-          </p:nvPr>
-        </p:nvSpPr>
-        <p:spPr/>
-        <p:txBody>
-          <a:bodyPr/>
-          <a:lstStyle/>
-          <a:p>
-            <a:r>
-              <a:rPr lang="ko-KR" altLang="en-US" dirty="0"/>
-              <a:t>마이페이지</a:t>
-            </a:r>
-          </a:p>
-        </p:txBody>
-      </p:sp>
-      <p:sp>
-        <p:nvSpPr>
-          <p:cNvPr id="3" name="내용 개체 틀 2">
-            <a:extLst>
-              <a:ext uri="{FF2B5EF4-FFF2-40B4-BE49-F238E27FC236}">
-                <a16:creationId xmlns:a16="http://schemas.microsoft.com/office/drawing/2014/main" id="{D6993A95-E86F-4CCD-858A-4B37861CCFAF}"/>
-              </a:ext>
-            </a:extLst>
-          </p:cNvPr>
-          <p:cNvSpPr>
-            <a:spLocks noGrp="1"/>
-          </p:cNvSpPr>
-          <p:nvPr>
-            <p:ph idx="1"/>
-          </p:nvPr>
-        </p:nvSpPr>
-        <p:spPr/>
-        <p:txBody>
-          <a:bodyPr/>
-          <a:lstStyle/>
-          <a:p>
-            <a:r>
-              <a:rPr lang="ko-KR" altLang="en-US" dirty="0"/>
-              <a:t>찜 목록 조회</a:t>
-            </a:r>
-            <a:endParaRPr lang="en-US" altLang="ko-KR" dirty="0"/>
-          </a:p>
-          <a:p>
-            <a:pPr lvl="1"/>
-            <a:r>
-              <a:rPr lang="ko-KR" altLang="en-US" dirty="0"/>
-              <a:t>찜 상품 이미지</a:t>
-            </a:r>
-            <a:endParaRPr lang="en-US" altLang="ko-KR" dirty="0"/>
-          </a:p>
-          <a:p>
-            <a:pPr lvl="1"/>
-            <a:r>
-              <a:rPr lang="ko-KR" altLang="en-US" dirty="0"/>
-              <a:t>찜 상품 </a:t>
-            </a:r>
-            <a:r>
-              <a:rPr lang="ko-KR" altLang="en-US"/>
-              <a:t>현재 낙찰여부</a:t>
-            </a:r>
-            <a:endParaRPr lang="en-US" altLang="ko-KR"/>
-          </a:p>
-          <a:p>
-            <a:pPr lvl="1"/>
-            <a:r>
-              <a:rPr lang="ko-KR" altLang="en-US"/>
-              <a:t>낙찰 완료 시 낙찰금액</a:t>
-            </a:r>
-            <a:endParaRPr lang="en-US" altLang="ko-KR"/>
-          </a:p>
-          <a:p>
-            <a:pPr lvl="1"/>
-            <a:r>
-              <a:rPr lang="ko-KR" altLang="en-US"/>
-              <a:t>낙찰 비 완료 시 현재 입찰 금액</a:t>
-            </a:r>
-            <a:endParaRPr lang="en-US" altLang="ko-KR" dirty="0"/>
-          </a:p>
-          <a:p>
-            <a:pPr lvl="1"/>
-            <a:r>
-              <a:rPr lang="ko-KR" altLang="en-US" dirty="0"/>
-              <a:t>찜 </a:t>
-            </a:r>
-            <a:r>
-              <a:rPr lang="ko-KR" altLang="en-US"/>
-              <a:t>상품 이름</a:t>
-            </a:r>
-            <a:endParaRPr lang="en-US" altLang="ko-KR"/>
-          </a:p>
-          <a:p>
-            <a:pPr lvl="1"/>
-            <a:r>
-              <a:rPr lang="ko-KR" altLang="en-US"/>
-              <a:t>클릭 시 상품 상세화면 이동</a:t>
-            </a:r>
-            <a:endParaRPr lang="en-US" altLang="ko-KR" dirty="0"/>
-          </a:p>
-          <a:p>
-            <a:pPr lvl="1"/>
-            <a:endParaRPr lang="ko-KR" altLang="en-US" dirty="0"/>
-          </a:p>
-        </p:txBody>
-      </p:sp>
-    </p:spTree>
-    <p:extLst>
-      <p:ext uri="{BB962C8B-B14F-4D97-AF65-F5344CB8AC3E}">
-        <p14:creationId xmlns:p14="http://schemas.microsoft.com/office/powerpoint/2010/main" val="4032169319"/>
-      </p:ext>
-    </p:extLst>
-  </p:cSld>
-  <p:clrMapOvr>
-    <a:masterClrMapping/>
-  </p:clrMapOvr>
-</p:sld>
-</file>
-
-<file path=ppt/slides/slide17.xml><?xml version="1.0" encoding="utf-8"?>
-<p:sld xmlns:a="http://schemas.openxmlformats.org/drawingml/2006/main" xmlns:r="http://schemas.openxmlformats.org/officeDocument/2006/relationships" xmlns:p="http://schemas.openxmlformats.org/presentationml/2006/main">
-  <p:cSld>
-    <p:spTree>
-      <p:nvGrpSpPr>
-        <p:cNvPr id="1" name=""/>
-        <p:cNvGrpSpPr/>
-        <p:nvPr/>
-      </p:nvGrpSpPr>
-      <p:grpSpPr>
-        <a:xfrm>
-          <a:off x="0" y="0"/>
-          <a:ext cx="0" cy="0"/>
-          <a:chOff x="0" y="0"/>
-          <a:chExt cx="0" cy="0"/>
-        </a:xfrm>
-      </p:grpSpPr>
-      <p:sp>
-        <p:nvSpPr>
-          <p:cNvPr id="2" name="제목 1">
-            <a:extLst>
-              <a:ext uri="{FF2B5EF4-FFF2-40B4-BE49-F238E27FC236}">
-                <a16:creationId xmlns:a16="http://schemas.microsoft.com/office/drawing/2014/main" id="{A2195557-2D0B-4A18-ADB1-8980A6B0448E}"/>
-              </a:ext>
-            </a:extLst>
-          </p:cNvPr>
-          <p:cNvSpPr>
-            <a:spLocks noGrp="1"/>
-          </p:cNvSpPr>
-          <p:nvPr>
-            <p:ph type="title"/>
-          </p:nvPr>
-        </p:nvSpPr>
-        <p:spPr/>
-        <p:txBody>
-          <a:bodyPr/>
-          <a:lstStyle/>
-          <a:p>
-            <a:r>
-              <a:rPr lang="ko-KR" altLang="en-US" dirty="0"/>
-              <a:t>마이페이지</a:t>
-            </a:r>
-          </a:p>
-        </p:txBody>
-      </p:sp>
-      <p:sp>
-        <p:nvSpPr>
-          <p:cNvPr id="3" name="내용 개체 틀 2">
-            <a:extLst>
-              <a:ext uri="{FF2B5EF4-FFF2-40B4-BE49-F238E27FC236}">
-                <a16:creationId xmlns:a16="http://schemas.microsoft.com/office/drawing/2014/main" id="{57C6BCCA-354B-4FD1-90A9-AED5F6662810}"/>
-              </a:ext>
-            </a:extLst>
-          </p:cNvPr>
-          <p:cNvSpPr>
-            <a:spLocks noGrp="1"/>
-          </p:cNvSpPr>
-          <p:nvPr>
-            <p:ph idx="1"/>
-          </p:nvPr>
-        </p:nvSpPr>
-        <p:spPr>
-          <a:xfrm>
-            <a:off x="838200" y="1825625"/>
-            <a:ext cx="10515600" cy="4667250"/>
-          </a:xfrm>
-        </p:spPr>
-        <p:txBody>
-          <a:bodyPr/>
-          <a:lstStyle/>
-          <a:p>
-            <a:r>
-              <a:rPr lang="ko-KR" altLang="en-US"/>
-              <a:t>거래 내역 리스트 조회</a:t>
-            </a:r>
-            <a:endParaRPr lang="en-US" altLang="ko-KR"/>
-          </a:p>
-          <a:p>
-            <a:pPr lvl="1"/>
-            <a:r>
-              <a:rPr lang="ko-KR" altLang="en-US"/>
-              <a:t>인수여부 </a:t>
-            </a:r>
-            <a:r>
-              <a:rPr lang="en-US" altLang="ko-KR"/>
-              <a:t>, </a:t>
-            </a:r>
-            <a:r>
-              <a:rPr lang="ko-KR" altLang="en-US"/>
-              <a:t>거래가격 등으로 거래내역 </a:t>
-            </a:r>
-            <a:r>
-              <a:rPr lang="en-US" altLang="ko-KR"/>
-              <a:t>sort </a:t>
-            </a:r>
-            <a:r>
-              <a:rPr lang="ko-KR" altLang="en-US"/>
-              <a:t>가능</a:t>
-            </a:r>
-            <a:endParaRPr lang="en-US" altLang="ko-KR" dirty="0"/>
-          </a:p>
-          <a:p>
-            <a:pPr lvl="1"/>
-            <a:r>
-              <a:rPr lang="ko-KR" altLang="en-US" dirty="0"/>
-              <a:t>상품명</a:t>
-            </a:r>
-            <a:endParaRPr lang="en-US" altLang="ko-KR" dirty="0"/>
-          </a:p>
-          <a:p>
-            <a:pPr lvl="1"/>
-            <a:r>
-              <a:rPr lang="ko-KR" altLang="en-US" dirty="0"/>
-              <a:t>거래가격</a:t>
-            </a:r>
-            <a:endParaRPr lang="en-US" altLang="ko-KR" dirty="0"/>
-          </a:p>
-          <a:p>
-            <a:pPr lvl="1"/>
-            <a:r>
-              <a:rPr lang="ko-KR" altLang="en-US"/>
-              <a:t>거래일시</a:t>
-            </a:r>
-            <a:endParaRPr lang="en-US" altLang="ko-KR"/>
-          </a:p>
-          <a:p>
-            <a:pPr lvl="1"/>
-            <a:r>
-              <a:rPr lang="ko-KR" altLang="en-US"/>
-              <a:t>인수완료 여부</a:t>
-            </a:r>
-            <a:endParaRPr lang="en-US" altLang="ko-KR" dirty="0"/>
-          </a:p>
-          <a:p>
-            <a:r>
-              <a:rPr lang="ko-KR" altLang="en-US"/>
-              <a:t>거래 내역 상세 조회</a:t>
-            </a:r>
-            <a:endParaRPr lang="en-US" altLang="ko-KR"/>
-          </a:p>
-          <a:p>
-            <a:pPr lvl="1"/>
-            <a:r>
-              <a:rPr lang="ko-KR" altLang="en-US"/>
-              <a:t>낙찰 영수증 표시</a:t>
-            </a:r>
-            <a:endParaRPr lang="en-US" altLang="ko-KR"/>
-          </a:p>
-          <a:p>
-            <a:pPr lvl="1"/>
-            <a:endParaRPr lang="en-US" altLang="ko-KR" dirty="0"/>
-          </a:p>
-        </p:txBody>
-      </p:sp>
-    </p:spTree>
-    <p:extLst>
-      <p:ext uri="{BB962C8B-B14F-4D97-AF65-F5344CB8AC3E}">
-        <p14:creationId xmlns:p14="http://schemas.microsoft.com/office/powerpoint/2010/main" val="899163208"/>
-      </p:ext>
-    </p:extLst>
-  </p:cSld>
-  <p:clrMapOvr>
-    <a:masterClrMapping/>
-  </p:clrMapOvr>
-</p:sld>
-</file>
-
-<file path=ppt/slides/slide18.xml><?xml version="1.0" encoding="utf-8"?>
-<p:sld xmlns:a="http://schemas.openxmlformats.org/drawingml/2006/main" xmlns:r="http://schemas.openxmlformats.org/officeDocument/2006/relationships" xmlns:p="http://schemas.openxmlformats.org/presentationml/2006/main">
-  <p:cSld>
-    <p:spTree>
-      <p:nvGrpSpPr>
-        <p:cNvPr id="1" name=""/>
-        <p:cNvGrpSpPr/>
-        <p:nvPr/>
-      </p:nvGrpSpPr>
-      <p:grpSpPr>
-        <a:xfrm>
-          <a:off x="0" y="0"/>
-          <a:ext cx="0" cy="0"/>
-          <a:chOff x="0" y="0"/>
-          <a:chExt cx="0" cy="0"/>
-        </a:xfrm>
-      </p:grpSpPr>
-      <p:sp>
-        <p:nvSpPr>
-          <p:cNvPr id="2" name="제목 1">
-            <a:extLst>
-              <a:ext uri="{FF2B5EF4-FFF2-40B4-BE49-F238E27FC236}">
                 <a16:creationId xmlns:a16="http://schemas.microsoft.com/office/drawing/2014/main" id="{A2195557-2D0B-4A18-ADB1-8980A6B0448E}"/>
               </a:ext>
             </a:extLst>
@@ -4696,7 +4371,7 @@
 </p:sld>
 </file>
 
-<file path=ppt/slides/slide19.xml><?xml version="1.0" encoding="utf-8"?>
+<file path=ppt/slides/slide16.xml><?xml version="1.0" encoding="utf-8"?>
 <p:sld xmlns:a="http://schemas.openxmlformats.org/drawingml/2006/main" xmlns:r="http://schemas.openxmlformats.org/officeDocument/2006/relationships" xmlns:p="http://schemas.openxmlformats.org/presentationml/2006/main">
   <p:cSld>
     <p:spTree>
@@ -6091,102 +5766,110 @@
           <a:lstStyle/>
           <a:p>
             <a:r>
-              <a:rPr lang="en-US" altLang="ko-KR"/>
+              <a:rPr lang="en-US" altLang="ko-KR" dirty="0"/>
               <a:t> </a:t>
             </a:r>
             <a:r>
-              <a:rPr lang="ko-KR" altLang="en-US"/>
+              <a:rPr lang="ko-KR" altLang="en-US" dirty="0"/>
               <a:t>낙찰</a:t>
             </a:r>
-            <a:endParaRPr lang="en-US" altLang="ko-KR"/>
+            <a:endParaRPr lang="en-US" altLang="ko-KR" dirty="0"/>
           </a:p>
           <a:p>
             <a:pPr marL="0" indent="0">
               <a:buNone/>
             </a:pPr>
             <a:r>
-              <a:rPr lang="ko-KR" altLang="en-US"/>
+              <a:rPr lang="ko-KR" altLang="en-US" dirty="0"/>
               <a:t>낙찰자와 판매자에게 낙찰 영수증이 보내진다</a:t>
             </a:r>
             <a:r>
-              <a:rPr lang="en-US" altLang="ko-KR"/>
+              <a:rPr lang="en-US" altLang="ko-KR" dirty="0"/>
               <a:t>.</a:t>
             </a:r>
           </a:p>
           <a:p>
             <a:pPr lvl="1"/>
             <a:r>
-              <a:rPr lang="ko-KR" altLang="en-US"/>
+              <a:rPr lang="ko-KR" altLang="en-US" dirty="0"/>
               <a:t>상품 등록자 </a:t>
             </a:r>
             <a:r>
-              <a:rPr lang="en-US" altLang="ko-KR"/>
+              <a:rPr lang="en-US" altLang="ko-KR" dirty="0"/>
               <a:t>: </a:t>
             </a:r>
             <a:r>
-              <a:rPr lang="ko-KR" altLang="en-US"/>
+              <a:rPr lang="ko-KR" altLang="en-US" dirty="0"/>
               <a:t>상품 등록 회원의 닉네임</a:t>
             </a:r>
-            <a:endParaRPr lang="en-US" altLang="ko-KR"/>
-          </a:p>
-          <a:p>
-            <a:pPr lvl="1"/>
-            <a:r>
-              <a:rPr lang="ko-KR" altLang="en-US"/>
+            <a:endParaRPr lang="en-US" altLang="ko-KR" dirty="0"/>
+          </a:p>
+          <a:p>
+            <a:pPr lvl="1"/>
+            <a:r>
+              <a:rPr lang="ko-KR" altLang="en-US" dirty="0"/>
               <a:t>입찰자 정보 </a:t>
             </a:r>
             <a:r>
-              <a:rPr lang="en-US" altLang="ko-KR"/>
+              <a:rPr lang="en-US" altLang="ko-KR" dirty="0"/>
               <a:t>: </a:t>
             </a:r>
             <a:r>
-              <a:rPr lang="ko-KR" altLang="en-US"/>
+              <a:rPr lang="ko-KR" altLang="en-US" dirty="0"/>
               <a:t>회원의 이름</a:t>
             </a:r>
-            <a:endParaRPr lang="en-US" altLang="ko-KR"/>
-          </a:p>
-          <a:p>
-            <a:pPr lvl="1"/>
-            <a:r>
-              <a:rPr lang="ko-KR" altLang="en-US"/>
+            <a:endParaRPr lang="en-US" altLang="ko-KR" dirty="0"/>
+          </a:p>
+          <a:p>
+            <a:pPr lvl="1"/>
+            <a:r>
+              <a:rPr lang="ko-KR" altLang="en-US" dirty="0"/>
               <a:t>인수여부 </a:t>
             </a:r>
             <a:r>
-              <a:rPr lang="en-US" altLang="ko-KR"/>
+              <a:rPr lang="en-US" altLang="ko-KR" dirty="0"/>
               <a:t>: </a:t>
             </a:r>
             <a:r>
-              <a:rPr lang="ko-KR" altLang="en-US"/>
+              <a:rPr lang="ko-KR" altLang="en-US" dirty="0"/>
               <a:t>상품 인계 완료 시 낙찰자가 완료클릭</a:t>
             </a:r>
             <a:r>
-              <a:rPr lang="en-US" altLang="ko-KR"/>
+              <a:rPr lang="en-US" altLang="ko-KR" dirty="0"/>
               <a:t>(</a:t>
             </a:r>
             <a:r>
-              <a:rPr lang="ko-KR" altLang="en-US"/>
-              <a:t>해당 판매자에게 아나머니 입금</a:t>
-            </a:r>
-            <a:r>
-              <a:rPr lang="en-US" altLang="ko-KR"/>
+              <a:rPr lang="ko-KR" altLang="en-US" dirty="0"/>
+              <a:t>해당 판매자에게 </a:t>
+            </a:r>
+            <a:r>
+              <a:rPr lang="ko-KR" altLang="en-US" dirty="0" err="1"/>
+              <a:t>아나머니</a:t>
+            </a:r>
+            <a:r>
+              <a:rPr lang="ko-KR" altLang="en-US" dirty="0"/>
+              <a:t> 입금</a:t>
+            </a:r>
+            <a:r>
+              <a:rPr lang="en-US" altLang="ko-KR" dirty="0"/>
               <a:t>)</a:t>
             </a:r>
           </a:p>
           <a:p>
             <a:pPr lvl="1"/>
             <a:r>
-              <a:rPr lang="ko-KR" altLang="en-US"/>
+              <a:rPr lang="ko-KR" altLang="en-US" dirty="0"/>
               <a:t>최종 낙찰가 </a:t>
             </a:r>
             <a:r>
-              <a:rPr lang="en-US" altLang="ko-KR"/>
+              <a:rPr lang="en-US" altLang="ko-KR" dirty="0"/>
               <a:t>: </a:t>
             </a:r>
             <a:r>
-              <a:rPr lang="ko-KR" altLang="en-US"/>
+              <a:rPr lang="ko-KR" altLang="en-US" dirty="0"/>
               <a:t>마지막 입찰 금액</a:t>
             </a:r>
-            <a:endParaRPr lang="en-US" altLang="ko-KR"/>
+            <a:endParaRPr lang="en-US" altLang="ko-KR" dirty="0"/>
           </a:p>
         </p:txBody>
       </p:sp>
